--- a/poster.pptx
+++ b/poster.pptx
@@ -243,7 +243,7 @@
           <a:p>
             <a:fld id="{F9CAC121-9074-40FE-B2BA-F7D88A15528A}" type="datetimeFigureOut">
               <a:rPr lang="en-GB" smtClean="0"/>
-              <a:t>02/02/2015</a:t>
+              <a:t>03/02/2015</a:t>
             </a:fld>
             <a:endParaRPr lang="en-GB"/>
           </a:p>
@@ -413,7 +413,7 @@
           <a:p>
             <a:fld id="{F9CAC121-9074-40FE-B2BA-F7D88A15528A}" type="datetimeFigureOut">
               <a:rPr lang="en-GB" smtClean="0"/>
-              <a:t>02/02/2015</a:t>
+              <a:t>03/02/2015</a:t>
             </a:fld>
             <a:endParaRPr lang="en-GB"/>
           </a:p>
@@ -593,7 +593,7 @@
           <a:p>
             <a:fld id="{F9CAC121-9074-40FE-B2BA-F7D88A15528A}" type="datetimeFigureOut">
               <a:rPr lang="en-GB" smtClean="0"/>
-              <a:t>02/02/2015</a:t>
+              <a:t>03/02/2015</a:t>
             </a:fld>
             <a:endParaRPr lang="en-GB"/>
           </a:p>
@@ -763,7 +763,7 @@
           <a:p>
             <a:fld id="{F9CAC121-9074-40FE-B2BA-F7D88A15528A}" type="datetimeFigureOut">
               <a:rPr lang="en-GB" smtClean="0"/>
-              <a:t>02/02/2015</a:t>
+              <a:t>03/02/2015</a:t>
             </a:fld>
             <a:endParaRPr lang="en-GB"/>
           </a:p>
@@ -1007,7 +1007,7 @@
           <a:p>
             <a:fld id="{F9CAC121-9074-40FE-B2BA-F7D88A15528A}" type="datetimeFigureOut">
               <a:rPr lang="en-GB" smtClean="0"/>
-              <a:t>02/02/2015</a:t>
+              <a:t>03/02/2015</a:t>
             </a:fld>
             <a:endParaRPr lang="en-GB"/>
           </a:p>
@@ -1239,7 +1239,7 @@
           <a:p>
             <a:fld id="{F9CAC121-9074-40FE-B2BA-F7D88A15528A}" type="datetimeFigureOut">
               <a:rPr lang="en-GB" smtClean="0"/>
-              <a:t>02/02/2015</a:t>
+              <a:t>03/02/2015</a:t>
             </a:fld>
             <a:endParaRPr lang="en-GB"/>
           </a:p>
@@ -1606,7 +1606,7 @@
           <a:p>
             <a:fld id="{F9CAC121-9074-40FE-B2BA-F7D88A15528A}" type="datetimeFigureOut">
               <a:rPr lang="en-GB" smtClean="0"/>
-              <a:t>02/02/2015</a:t>
+              <a:t>03/02/2015</a:t>
             </a:fld>
             <a:endParaRPr lang="en-GB"/>
           </a:p>
@@ -1724,7 +1724,7 @@
           <a:p>
             <a:fld id="{F9CAC121-9074-40FE-B2BA-F7D88A15528A}" type="datetimeFigureOut">
               <a:rPr lang="en-GB" smtClean="0"/>
-              <a:t>02/02/2015</a:t>
+              <a:t>03/02/2015</a:t>
             </a:fld>
             <a:endParaRPr lang="en-GB"/>
           </a:p>
@@ -1819,7 +1819,7 @@
           <a:p>
             <a:fld id="{F9CAC121-9074-40FE-B2BA-F7D88A15528A}" type="datetimeFigureOut">
               <a:rPr lang="en-GB" smtClean="0"/>
-              <a:t>02/02/2015</a:t>
+              <a:t>03/02/2015</a:t>
             </a:fld>
             <a:endParaRPr lang="en-GB"/>
           </a:p>
@@ -2096,7 +2096,7 @@
           <a:p>
             <a:fld id="{F9CAC121-9074-40FE-B2BA-F7D88A15528A}" type="datetimeFigureOut">
               <a:rPr lang="en-GB" smtClean="0"/>
-              <a:t>02/02/2015</a:t>
+              <a:t>03/02/2015</a:t>
             </a:fld>
             <a:endParaRPr lang="en-GB"/>
           </a:p>
@@ -2353,7 +2353,7 @@
           <a:p>
             <a:fld id="{F9CAC121-9074-40FE-B2BA-F7D88A15528A}" type="datetimeFigureOut">
               <a:rPr lang="en-GB" smtClean="0"/>
-              <a:t>02/02/2015</a:t>
+              <a:t>03/02/2015</a:t>
             </a:fld>
             <a:endParaRPr lang="en-GB"/>
           </a:p>
@@ -2566,7 +2566,7 @@
           <a:p>
             <a:fld id="{F9CAC121-9074-40FE-B2BA-F7D88A15528A}" type="datetimeFigureOut">
               <a:rPr lang="en-GB" smtClean="0"/>
-              <a:t>02/02/2015</a:t>
+              <a:t>03/02/2015</a:t>
             </a:fld>
             <a:endParaRPr lang="en-GB"/>
           </a:p>
@@ -2957,6 +2957,40 @@
 <file path=ppt/slides/slide1.xml><?xml version="1.0" encoding="utf-8"?>
 <p:sld xmlns:a="http://schemas.openxmlformats.org/drawingml/2006/main" xmlns:r="http://schemas.openxmlformats.org/officeDocument/2006/relationships" xmlns:p="http://schemas.openxmlformats.org/presentationml/2006/main">
   <p:cSld>
+    <p:bg>
+      <p:bgPr>
+        <a:gradFill>
+          <a:gsLst>
+            <a:gs pos="0">
+              <a:schemeClr val="accent1">
+                <a:lumMod val="5000"/>
+                <a:lumOff val="95000"/>
+              </a:schemeClr>
+            </a:gs>
+            <a:gs pos="56000">
+              <a:schemeClr val="accent1">
+                <a:lumMod val="45000"/>
+                <a:lumOff val="55000"/>
+              </a:schemeClr>
+            </a:gs>
+            <a:gs pos="83000">
+              <a:schemeClr val="accent1">
+                <a:lumMod val="45000"/>
+                <a:lumOff val="55000"/>
+              </a:schemeClr>
+            </a:gs>
+            <a:gs pos="100000">
+              <a:schemeClr val="accent1">
+                <a:lumMod val="30000"/>
+                <a:lumOff val="70000"/>
+              </a:schemeClr>
+            </a:gs>
+          </a:gsLst>
+          <a:lin ang="5400000" scaled="1"/>
+        </a:gradFill>
+        <a:effectLst/>
+      </p:bgPr>
+    </p:bg>
     <p:spTree>
       <p:nvGrpSpPr>
         <p:cNvPr id="1" name=""/>
@@ -2973,70 +3007,1080 @@
       </p:grpSpPr>
       <p:pic>
         <p:nvPicPr>
-          <p:cNvPr id="10" name="Image 9"/>
+          <p:cNvPr id="15" name="Image 14"/>
           <p:cNvPicPr>
             <a:picLocks noChangeAspect="1"/>
           </p:cNvPicPr>
           <p:nvPr/>
         </p:nvPicPr>
         <p:blipFill>
-          <a:blip r:embed="rId2"/>
+          <a:blip r:embed="rId2">
+            <a:extLst>
+              <a:ext uri="{28A0092B-C50C-407E-A947-70E740481C1C}">
+                <a14:useLocalDpi xmlns:a14="http://schemas.microsoft.com/office/drawing/2010/main" val="0"/>
+              </a:ext>
+            </a:extLst>
+          </a:blip>
           <a:stretch>
             <a:fillRect/>
           </a:stretch>
         </p:blipFill>
         <p:spPr>
           <a:xfrm>
-            <a:off x="16477423" y="6256259"/>
-            <a:ext cx="2895600" cy="2600325"/>
+            <a:off x="122156" y="7732685"/>
+            <a:ext cx="8336610" cy="11447736"/>
           </a:xfrm>
           <a:prstGeom prst="rect">
             <a:avLst/>
           </a:prstGeom>
         </p:spPr>
       </p:pic>
+      <p:sp>
+        <p:nvSpPr>
+          <p:cNvPr id="2" name="ZoneTexte 1"/>
+          <p:cNvSpPr txBox="1"/>
+          <p:nvPr/>
+        </p:nvSpPr>
+        <p:spPr>
+          <a:xfrm>
+            <a:off x="7734299" y="4017769"/>
+            <a:ext cx="11125200" cy="843436"/>
+          </a:xfrm>
+          <a:prstGeom prst="rect">
+            <a:avLst/>
+          </a:prstGeom>
+          <a:noFill/>
+        </p:spPr>
+        <p:txBody>
+          <a:bodyPr wrap="square" rtlCol="0">
+            <a:spAutoFit/>
+          </a:bodyPr>
+          <a:lstStyle/>
+          <a:p>
+            <a:r>
+              <a:rPr lang="en-GB" dirty="0" smtClean="0"/>
+              <a:t>Application web de </a:t>
+            </a:r>
+            <a:r>
+              <a:rPr lang="fr-FR" dirty="0" smtClean="0"/>
+              <a:t>gestion</a:t>
+            </a:r>
+            <a:r>
+              <a:rPr lang="en-GB" dirty="0" smtClean="0"/>
+              <a:t> de </a:t>
+            </a:r>
+            <a:r>
+              <a:rPr lang="fr-FR" dirty="0" smtClean="0"/>
+              <a:t>tâches</a:t>
+            </a:r>
+            <a:endParaRPr lang="fr-FR" dirty="0"/>
+          </a:p>
+        </p:txBody>
+      </p:sp>
+      <p:sp>
+        <p:nvSpPr>
+          <p:cNvPr id="4" name="ZoneTexte 3"/>
+          <p:cNvSpPr txBox="1"/>
+          <p:nvPr/>
+        </p:nvSpPr>
+        <p:spPr>
+          <a:xfrm>
+            <a:off x="7734299" y="1143000"/>
+            <a:ext cx="13144500" cy="3170099"/>
+          </a:xfrm>
+          <a:prstGeom prst="rect">
+            <a:avLst/>
+          </a:prstGeom>
+          <a:noFill/>
+        </p:spPr>
+        <p:txBody>
+          <a:bodyPr wrap="square" rtlCol="0">
+            <a:spAutoFit/>
+          </a:bodyPr>
+          <a:lstStyle/>
+          <a:p>
+            <a:r>
+              <a:rPr lang="en-GB" sz="20000" dirty="0" smtClean="0">
+                <a:latin typeface="Lobster Two" panose="02000506000000020003" pitchFamily="50" charset="0"/>
+              </a:rPr>
+              <a:t>TeamShare</a:t>
+            </a:r>
+            <a:endParaRPr lang="en-GB" sz="20000" dirty="0">
+              <a:latin typeface="Lobster Two" panose="02000506000000020003" pitchFamily="50" charset="0"/>
+            </a:endParaRPr>
+          </a:p>
+        </p:txBody>
+      </p:sp>
       <p:pic>
         <p:nvPicPr>
-          <p:cNvPr id="11" name="Image 10"/>
+          <p:cNvPr id="5" name="Image 4"/>
           <p:cNvPicPr>
             <a:picLocks noChangeAspect="1"/>
           </p:cNvPicPr>
           <p:nvPr/>
         </p:nvPicPr>
         <p:blipFill>
-          <a:blip r:embed="rId3"/>
+          <a:blip r:embed="rId3">
+            <a:extLst>
+              <a:ext uri="{28A0092B-C50C-407E-A947-70E740481C1C}">
+                <a14:useLocalDpi xmlns:a14="http://schemas.microsoft.com/office/drawing/2010/main" val="0"/>
+              </a:ext>
+            </a:extLst>
+          </a:blip>
           <a:stretch>
             <a:fillRect/>
           </a:stretch>
         </p:blipFill>
         <p:spPr>
           <a:xfrm>
-            <a:off x="17502186" y="9257081"/>
-            <a:ext cx="3076575" cy="2733675"/>
+            <a:off x="1371340" y="778816"/>
+            <a:ext cx="5821937" cy="5088583"/>
           </a:xfrm>
           <a:prstGeom prst="rect">
             <a:avLst/>
           </a:prstGeom>
         </p:spPr>
       </p:pic>
+      <p:sp>
+        <p:nvSpPr>
+          <p:cNvPr id="21" name="ZoneTexte 20"/>
+          <p:cNvSpPr txBox="1"/>
+          <p:nvPr/>
+        </p:nvSpPr>
+        <p:spPr>
+          <a:xfrm>
+            <a:off x="7954368" y="6925222"/>
+            <a:ext cx="5422952" cy="1200329"/>
+          </a:xfrm>
+          <a:prstGeom prst="rect">
+            <a:avLst/>
+          </a:prstGeom>
+          <a:noFill/>
+        </p:spPr>
+        <p:txBody>
+          <a:bodyPr wrap="square" rtlCol="0">
+            <a:spAutoFit/>
+          </a:bodyPr>
+          <a:lstStyle/>
+          <a:p>
+            <a:r>
+              <a:rPr lang="fr-FR" sz="3600" dirty="0" smtClean="0">
+                <a:latin typeface="Lobster Two" panose="02000506000000020003" pitchFamily="50" charset="0"/>
+              </a:rPr>
+              <a:t>Système de Drag&amp;Drop pour organiser les tâches</a:t>
+            </a:r>
+            <a:endParaRPr lang="fr-FR" sz="3600" dirty="0">
+              <a:latin typeface="Lobster Two" panose="02000506000000020003" pitchFamily="50" charset="0"/>
+            </a:endParaRPr>
+          </a:p>
+        </p:txBody>
+      </p:sp>
+      <p:sp>
+        <p:nvSpPr>
+          <p:cNvPr id="25" name="Rectangle 24"/>
+          <p:cNvSpPr/>
+          <p:nvPr/>
+        </p:nvSpPr>
+        <p:spPr>
+          <a:xfrm>
+            <a:off x="2350517" y="10038847"/>
+            <a:ext cx="1702340" cy="3005847"/>
+          </a:xfrm>
+          <a:prstGeom prst="rect">
+            <a:avLst/>
+          </a:prstGeom>
+          <a:solidFill>
+            <a:srgbClr val="EAE672"/>
+          </a:solidFill>
+          <a:ln>
+            <a:solidFill>
+              <a:srgbClr val="EAE672"/>
+            </a:solidFill>
+          </a:ln>
+        </p:spPr>
+        <p:style>
+          <a:lnRef idx="2">
+            <a:schemeClr val="accent1">
+              <a:shade val="50000"/>
+            </a:schemeClr>
+          </a:lnRef>
+          <a:fillRef idx="1">
+            <a:schemeClr val="accent1"/>
+          </a:fillRef>
+          <a:effectRef idx="0">
+            <a:schemeClr val="accent1"/>
+          </a:effectRef>
+          <a:fontRef idx="minor">
+            <a:schemeClr val="lt1"/>
+          </a:fontRef>
+        </p:style>
+        <p:txBody>
+          <a:bodyPr rtlCol="0" anchor="ctr"/>
+          <a:lstStyle/>
+          <a:p>
+            <a:pPr algn="ctr"/>
+            <a:endParaRPr lang="fr-FR"/>
+          </a:p>
+        </p:txBody>
+      </p:sp>
+      <p:sp>
+        <p:nvSpPr>
+          <p:cNvPr id="26" name="Rectangle 25"/>
+          <p:cNvSpPr/>
+          <p:nvPr/>
+        </p:nvSpPr>
+        <p:spPr>
+          <a:xfrm>
+            <a:off x="4451691" y="10038847"/>
+            <a:ext cx="1741251" cy="3103123"/>
+          </a:xfrm>
+          <a:prstGeom prst="rect">
+            <a:avLst/>
+          </a:prstGeom>
+          <a:solidFill>
+            <a:srgbClr val="7276EA"/>
+          </a:solidFill>
+          <a:ln>
+            <a:solidFill>
+              <a:srgbClr val="7276EA"/>
+            </a:solidFill>
+          </a:ln>
+        </p:spPr>
+        <p:style>
+          <a:lnRef idx="2">
+            <a:schemeClr val="accent1">
+              <a:shade val="50000"/>
+            </a:schemeClr>
+          </a:lnRef>
+          <a:fillRef idx="1">
+            <a:schemeClr val="accent1"/>
+          </a:fillRef>
+          <a:effectRef idx="0">
+            <a:schemeClr val="accent1"/>
+          </a:effectRef>
+          <a:fontRef idx="minor">
+            <a:schemeClr val="lt1"/>
+          </a:fontRef>
+        </p:style>
+        <p:txBody>
+          <a:bodyPr rtlCol="0" anchor="ctr"/>
+          <a:lstStyle/>
+          <a:p>
+            <a:pPr algn="ctr"/>
+            <a:endParaRPr lang="fr-FR"/>
+          </a:p>
+        </p:txBody>
+      </p:sp>
+      <p:sp>
+        <p:nvSpPr>
+          <p:cNvPr id="27" name="Rectangle 26"/>
+          <p:cNvSpPr/>
+          <p:nvPr/>
+        </p:nvSpPr>
+        <p:spPr>
+          <a:xfrm>
+            <a:off x="2350517" y="14114736"/>
+            <a:ext cx="1614791" cy="3764605"/>
+          </a:xfrm>
+          <a:prstGeom prst="rect">
+            <a:avLst/>
+          </a:prstGeom>
+          <a:solidFill>
+            <a:srgbClr val="B2EA72"/>
+          </a:solidFill>
+          <a:ln>
+            <a:solidFill>
+              <a:srgbClr val="B2EA72"/>
+            </a:solidFill>
+          </a:ln>
+        </p:spPr>
+        <p:style>
+          <a:lnRef idx="2">
+            <a:schemeClr val="accent1">
+              <a:shade val="50000"/>
+            </a:schemeClr>
+          </a:lnRef>
+          <a:fillRef idx="1">
+            <a:schemeClr val="accent1"/>
+          </a:fillRef>
+          <a:effectRef idx="0">
+            <a:schemeClr val="accent1"/>
+          </a:effectRef>
+          <a:fontRef idx="minor">
+            <a:schemeClr val="lt1"/>
+          </a:fontRef>
+        </p:style>
+        <p:txBody>
+          <a:bodyPr rtlCol="0" anchor="ctr"/>
+          <a:lstStyle/>
+          <a:p>
+            <a:pPr algn="ctr"/>
+            <a:endParaRPr lang="fr-FR"/>
+          </a:p>
+        </p:txBody>
+      </p:sp>
+      <p:sp>
+        <p:nvSpPr>
+          <p:cNvPr id="28" name="Rectangle 27"/>
+          <p:cNvSpPr/>
+          <p:nvPr/>
+        </p:nvSpPr>
+        <p:spPr>
+          <a:xfrm>
+            <a:off x="4558695" y="14134192"/>
+            <a:ext cx="1517515" cy="2402731"/>
+          </a:xfrm>
+          <a:prstGeom prst="rect">
+            <a:avLst/>
+          </a:prstGeom>
+          <a:solidFill>
+            <a:srgbClr val="F26A6F"/>
+          </a:solidFill>
+          <a:ln>
+            <a:solidFill>
+              <a:srgbClr val="F26A6F"/>
+            </a:solidFill>
+          </a:ln>
+        </p:spPr>
+        <p:style>
+          <a:lnRef idx="2">
+            <a:schemeClr val="accent1">
+              <a:shade val="50000"/>
+            </a:schemeClr>
+          </a:lnRef>
+          <a:fillRef idx="1">
+            <a:schemeClr val="accent1"/>
+          </a:fillRef>
+          <a:effectRef idx="0">
+            <a:schemeClr val="accent1"/>
+          </a:effectRef>
+          <a:fontRef idx="minor">
+            <a:schemeClr val="lt1"/>
+          </a:fontRef>
+        </p:style>
+        <p:txBody>
+          <a:bodyPr rtlCol="0" anchor="ctr"/>
+          <a:lstStyle/>
+          <a:p>
+            <a:pPr algn="ctr"/>
+            <a:endParaRPr lang="fr-FR"/>
+          </a:p>
+        </p:txBody>
+      </p:sp>
+      <p:sp>
+        <p:nvSpPr>
+          <p:cNvPr id="29" name="Rectangle 28"/>
+          <p:cNvSpPr/>
+          <p:nvPr/>
+        </p:nvSpPr>
+        <p:spPr>
+          <a:xfrm>
+            <a:off x="3449742" y="9095264"/>
+            <a:ext cx="1721796" cy="476655"/>
+          </a:xfrm>
+          <a:prstGeom prst="rect">
+            <a:avLst/>
+          </a:prstGeom>
+          <a:solidFill>
+            <a:srgbClr val="72EAE6"/>
+          </a:solidFill>
+          <a:ln>
+            <a:solidFill>
+              <a:srgbClr val="72EAE6"/>
+            </a:solidFill>
+          </a:ln>
+        </p:spPr>
+        <p:style>
+          <a:lnRef idx="2">
+            <a:schemeClr val="accent1">
+              <a:shade val="50000"/>
+            </a:schemeClr>
+          </a:lnRef>
+          <a:fillRef idx="1">
+            <a:schemeClr val="accent1"/>
+          </a:fillRef>
+          <a:effectRef idx="0">
+            <a:schemeClr val="accent1"/>
+          </a:effectRef>
+          <a:fontRef idx="minor">
+            <a:schemeClr val="lt1"/>
+          </a:fontRef>
+        </p:style>
+        <p:txBody>
+          <a:bodyPr rtlCol="0" anchor="ctr"/>
+          <a:lstStyle/>
+          <a:p>
+            <a:pPr algn="ctr"/>
+            <a:endParaRPr lang="fr-FR"/>
+          </a:p>
+        </p:txBody>
+      </p:sp>
+      <p:sp>
+        <p:nvSpPr>
+          <p:cNvPr id="31" name="ZoneTexte 30"/>
+          <p:cNvSpPr txBox="1"/>
+          <p:nvPr/>
+        </p:nvSpPr>
+        <p:spPr>
+          <a:xfrm>
+            <a:off x="2210290" y="10030382"/>
+            <a:ext cx="1987401" cy="461665"/>
+          </a:xfrm>
+          <a:prstGeom prst="rect">
+            <a:avLst/>
+          </a:prstGeom>
+          <a:noFill/>
+        </p:spPr>
+        <p:txBody>
+          <a:bodyPr wrap="square" rtlCol="0">
+            <a:spAutoFit/>
+          </a:bodyPr>
+          <a:lstStyle/>
+          <a:p>
+            <a:r>
+              <a:rPr lang="fr-FR" sz="2400" dirty="0" smtClean="0">
+                <a:latin typeface="Lobster Two" panose="02000506000000020003" pitchFamily="50" charset="0"/>
+              </a:rPr>
+              <a:t>Ranger les jeux</a:t>
+            </a:r>
+            <a:endParaRPr lang="fr-FR" sz="2400" dirty="0">
+              <a:latin typeface="Lobster Two" panose="02000506000000020003" pitchFamily="50" charset="0"/>
+            </a:endParaRPr>
+          </a:p>
+        </p:txBody>
+      </p:sp>
+      <p:sp>
+        <p:nvSpPr>
+          <p:cNvPr id="33" name="ZoneTexte 32"/>
+          <p:cNvSpPr txBox="1"/>
+          <p:nvPr/>
+        </p:nvSpPr>
+        <p:spPr>
+          <a:xfrm>
+            <a:off x="4323751" y="9993049"/>
+            <a:ext cx="1987401" cy="830997"/>
+          </a:xfrm>
+          <a:prstGeom prst="rect">
+            <a:avLst/>
+          </a:prstGeom>
+          <a:noFill/>
+        </p:spPr>
+        <p:txBody>
+          <a:bodyPr wrap="square" rtlCol="0">
+            <a:spAutoFit/>
+          </a:bodyPr>
+          <a:lstStyle/>
+          <a:p>
+            <a:pPr algn="ctr"/>
+            <a:r>
+              <a:rPr lang="fr-FR" sz="2400" dirty="0" smtClean="0">
+                <a:latin typeface="Lobster Two" panose="02000506000000020003" pitchFamily="50" charset="0"/>
+              </a:rPr>
+              <a:t>Acheter nouveaux jeux</a:t>
+            </a:r>
+            <a:endParaRPr lang="fr-FR" sz="2400" dirty="0">
+              <a:latin typeface="Lobster Two" panose="02000506000000020003" pitchFamily="50" charset="0"/>
+            </a:endParaRPr>
+          </a:p>
+        </p:txBody>
+      </p:sp>
+      <p:sp>
+        <p:nvSpPr>
+          <p:cNvPr id="34" name="ZoneTexte 33"/>
+          <p:cNvSpPr txBox="1"/>
+          <p:nvPr/>
+        </p:nvSpPr>
+        <p:spPr>
+          <a:xfrm>
+            <a:off x="3015651" y="8857206"/>
+            <a:ext cx="2616199" cy="954107"/>
+          </a:xfrm>
+          <a:prstGeom prst="rect">
+            <a:avLst/>
+          </a:prstGeom>
+          <a:noFill/>
+        </p:spPr>
+        <p:txBody>
+          <a:bodyPr wrap="square" rtlCol="0">
+            <a:spAutoFit/>
+          </a:bodyPr>
+          <a:lstStyle/>
+          <a:p>
+            <a:pPr algn="ctr"/>
+            <a:r>
+              <a:rPr lang="fr-FR" sz="2800" dirty="0" smtClean="0">
+                <a:latin typeface="Lobster Two" panose="02000506000000020003" pitchFamily="50" charset="0"/>
+              </a:rPr>
+              <a:t>Organiser Fête des jeux</a:t>
+            </a:r>
+            <a:endParaRPr lang="fr-FR" sz="2800" dirty="0">
+              <a:latin typeface="Lobster Two" panose="02000506000000020003" pitchFamily="50" charset="0"/>
+            </a:endParaRPr>
+          </a:p>
+        </p:txBody>
+      </p:sp>
+      <p:sp>
+        <p:nvSpPr>
+          <p:cNvPr id="35" name="ZoneTexte 34"/>
+          <p:cNvSpPr txBox="1"/>
+          <p:nvPr/>
+        </p:nvSpPr>
+        <p:spPr>
+          <a:xfrm>
+            <a:off x="2164211" y="14114736"/>
+            <a:ext cx="1987401" cy="830997"/>
+          </a:xfrm>
+          <a:prstGeom prst="rect">
+            <a:avLst/>
+          </a:prstGeom>
+          <a:noFill/>
+        </p:spPr>
+        <p:txBody>
+          <a:bodyPr wrap="square" rtlCol="0">
+            <a:spAutoFit/>
+          </a:bodyPr>
+          <a:lstStyle/>
+          <a:p>
+            <a:pPr algn="ctr"/>
+            <a:r>
+              <a:rPr lang="fr-FR" sz="2400" dirty="0" smtClean="0">
+                <a:latin typeface="Lobster Two" panose="02000506000000020003" pitchFamily="50" charset="0"/>
+              </a:rPr>
+              <a:t>Préparer animation</a:t>
+            </a:r>
+            <a:endParaRPr lang="fr-FR" sz="2400" dirty="0">
+              <a:latin typeface="Lobster Two" panose="02000506000000020003" pitchFamily="50" charset="0"/>
+            </a:endParaRPr>
+          </a:p>
+        </p:txBody>
+      </p:sp>
+      <p:sp>
+        <p:nvSpPr>
+          <p:cNvPr id="36" name="ZoneTexte 35"/>
+          <p:cNvSpPr txBox="1"/>
+          <p:nvPr/>
+        </p:nvSpPr>
+        <p:spPr>
+          <a:xfrm>
+            <a:off x="4323750" y="14114736"/>
+            <a:ext cx="1987401" cy="461665"/>
+          </a:xfrm>
+          <a:prstGeom prst="rect">
+            <a:avLst/>
+          </a:prstGeom>
+          <a:noFill/>
+        </p:spPr>
+        <p:txBody>
+          <a:bodyPr wrap="square" rtlCol="0">
+            <a:spAutoFit/>
+          </a:bodyPr>
+          <a:lstStyle/>
+          <a:p>
+            <a:pPr algn="ctr"/>
+            <a:r>
+              <a:rPr lang="fr-FR" sz="2400" dirty="0" smtClean="0">
+                <a:latin typeface="Lobster Two" panose="02000506000000020003" pitchFamily="50" charset="0"/>
+              </a:rPr>
+              <a:t>Faire inventaire</a:t>
+            </a:r>
+            <a:endParaRPr lang="fr-FR" sz="2400" dirty="0">
+              <a:latin typeface="Lobster Two" panose="02000506000000020003" pitchFamily="50" charset="0"/>
+            </a:endParaRPr>
+          </a:p>
+        </p:txBody>
+      </p:sp>
+      <p:sp>
+        <p:nvSpPr>
+          <p:cNvPr id="38" name="ZoneTexte 37"/>
+          <p:cNvSpPr txBox="1"/>
+          <p:nvPr/>
+        </p:nvSpPr>
+        <p:spPr>
+          <a:xfrm>
+            <a:off x="4290461" y="11077260"/>
+            <a:ext cx="1987401" cy="461665"/>
+          </a:xfrm>
+          <a:prstGeom prst="rect">
+            <a:avLst/>
+          </a:prstGeom>
+          <a:noFill/>
+        </p:spPr>
+        <p:txBody>
+          <a:bodyPr wrap="square" rtlCol="0">
+            <a:spAutoFit/>
+          </a:bodyPr>
+          <a:lstStyle/>
+          <a:p>
+            <a:pPr algn="ctr"/>
+            <a:r>
+              <a:rPr lang="fr-FR" sz="2400" dirty="0" smtClean="0">
+                <a:latin typeface="Lobster Two" panose="02000506000000020003" pitchFamily="50" charset="0"/>
+              </a:rPr>
+              <a:t>Henry</a:t>
+            </a:r>
+            <a:endParaRPr lang="fr-FR" sz="2400" dirty="0">
+              <a:latin typeface="Lobster Two" panose="02000506000000020003" pitchFamily="50" charset="0"/>
+            </a:endParaRPr>
+          </a:p>
+        </p:txBody>
+      </p:sp>
+      <p:sp>
+        <p:nvSpPr>
+          <p:cNvPr id="39" name="ZoneTexte 38"/>
+          <p:cNvSpPr txBox="1"/>
+          <p:nvPr/>
+        </p:nvSpPr>
+        <p:spPr>
+          <a:xfrm>
+            <a:off x="2207572" y="11077260"/>
+            <a:ext cx="1987401" cy="461665"/>
+          </a:xfrm>
+          <a:prstGeom prst="rect">
+            <a:avLst/>
+          </a:prstGeom>
+          <a:noFill/>
+        </p:spPr>
+        <p:txBody>
+          <a:bodyPr wrap="square" rtlCol="0">
+            <a:spAutoFit/>
+          </a:bodyPr>
+          <a:lstStyle/>
+          <a:p>
+            <a:pPr algn="ctr"/>
+            <a:r>
+              <a:rPr lang="fr-FR" sz="2400" dirty="0" smtClean="0">
+                <a:latin typeface="Lobster Two" panose="02000506000000020003" pitchFamily="50" charset="0"/>
+              </a:rPr>
+              <a:t>Jack</a:t>
+            </a:r>
+            <a:endParaRPr lang="fr-FR" sz="2400" dirty="0">
+              <a:latin typeface="Lobster Two" panose="02000506000000020003" pitchFamily="50" charset="0"/>
+            </a:endParaRPr>
+          </a:p>
+        </p:txBody>
+      </p:sp>
+      <p:sp>
+        <p:nvSpPr>
+          <p:cNvPr id="40" name="ZoneTexte 39"/>
+          <p:cNvSpPr txBox="1"/>
+          <p:nvPr/>
+        </p:nvSpPr>
+        <p:spPr>
+          <a:xfrm>
+            <a:off x="2164210" y="15655645"/>
+            <a:ext cx="1987401" cy="461665"/>
+          </a:xfrm>
+          <a:prstGeom prst="rect">
+            <a:avLst/>
+          </a:prstGeom>
+          <a:noFill/>
+        </p:spPr>
+        <p:txBody>
+          <a:bodyPr wrap="square" rtlCol="0">
+            <a:spAutoFit/>
+          </a:bodyPr>
+          <a:lstStyle/>
+          <a:p>
+            <a:pPr algn="ctr"/>
+            <a:r>
+              <a:rPr lang="fr-FR" sz="2400" dirty="0" smtClean="0">
+                <a:latin typeface="Lobster Two" panose="02000506000000020003" pitchFamily="50" charset="0"/>
+              </a:rPr>
+              <a:t>André</a:t>
+            </a:r>
+            <a:endParaRPr lang="fr-FR" sz="2400" dirty="0">
+              <a:latin typeface="Lobster Two" panose="02000506000000020003" pitchFamily="50" charset="0"/>
+            </a:endParaRPr>
+          </a:p>
+        </p:txBody>
+      </p:sp>
+      <p:sp>
+        <p:nvSpPr>
+          <p:cNvPr id="41" name="ZoneTexte 40"/>
+          <p:cNvSpPr txBox="1"/>
+          <p:nvPr/>
+        </p:nvSpPr>
+        <p:spPr>
+          <a:xfrm>
+            <a:off x="4342881" y="15104724"/>
+            <a:ext cx="1987401" cy="461665"/>
+          </a:xfrm>
+          <a:prstGeom prst="rect">
+            <a:avLst/>
+          </a:prstGeom>
+          <a:noFill/>
+        </p:spPr>
+        <p:txBody>
+          <a:bodyPr wrap="square" rtlCol="0">
+            <a:spAutoFit/>
+          </a:bodyPr>
+          <a:lstStyle/>
+          <a:p>
+            <a:pPr algn="ctr"/>
+            <a:r>
+              <a:rPr lang="fr-FR" sz="2400" dirty="0" smtClean="0">
+                <a:latin typeface="Lobster Two" panose="02000506000000020003" pitchFamily="50" charset="0"/>
+              </a:rPr>
+              <a:t>Paul</a:t>
+            </a:r>
+            <a:endParaRPr lang="fr-FR" sz="2400" dirty="0">
+              <a:latin typeface="Lobster Two" panose="02000506000000020003" pitchFamily="50" charset="0"/>
+            </a:endParaRPr>
+          </a:p>
+        </p:txBody>
+      </p:sp>
+      <p:sp>
+        <p:nvSpPr>
+          <p:cNvPr id="42" name="ZoneTexte 41"/>
+          <p:cNvSpPr txBox="1"/>
+          <p:nvPr/>
+        </p:nvSpPr>
+        <p:spPr>
+          <a:xfrm>
+            <a:off x="4323750" y="11466776"/>
+            <a:ext cx="1987401" cy="400110"/>
+          </a:xfrm>
+          <a:prstGeom prst="rect">
+            <a:avLst/>
+          </a:prstGeom>
+          <a:noFill/>
+        </p:spPr>
+        <p:txBody>
+          <a:bodyPr wrap="square" rtlCol="0">
+            <a:spAutoFit/>
+          </a:bodyPr>
+          <a:lstStyle/>
+          <a:p>
+            <a:pPr algn="ctr"/>
+            <a:r>
+              <a:rPr lang="fr-FR" sz="2000" dirty="0" smtClean="0">
+                <a:latin typeface="Lobster Two" panose="02000506000000020003" pitchFamily="50" charset="0"/>
+              </a:rPr>
+              <a:t>Michel, Martine</a:t>
+            </a:r>
+            <a:endParaRPr lang="fr-FR" sz="2000" dirty="0">
+              <a:latin typeface="Lobster Two" panose="02000506000000020003" pitchFamily="50" charset="0"/>
+            </a:endParaRPr>
+          </a:p>
+        </p:txBody>
+      </p:sp>
+      <p:sp>
+        <p:nvSpPr>
+          <p:cNvPr id="44" name="ZoneTexte 43"/>
+          <p:cNvSpPr txBox="1"/>
+          <p:nvPr/>
+        </p:nvSpPr>
+        <p:spPr>
+          <a:xfrm>
+            <a:off x="2222445" y="11473781"/>
+            <a:ext cx="1987401" cy="400110"/>
+          </a:xfrm>
+          <a:prstGeom prst="rect">
+            <a:avLst/>
+          </a:prstGeom>
+          <a:noFill/>
+        </p:spPr>
+        <p:txBody>
+          <a:bodyPr wrap="square" rtlCol="0">
+            <a:spAutoFit/>
+          </a:bodyPr>
+          <a:lstStyle/>
+          <a:p>
+            <a:pPr algn="ctr"/>
+            <a:r>
+              <a:rPr lang="fr-FR" sz="2000" dirty="0" smtClean="0">
+                <a:latin typeface="Lobster Two" panose="02000506000000020003" pitchFamily="50" charset="0"/>
+              </a:rPr>
+              <a:t>Pierre, Thomas</a:t>
+            </a:r>
+            <a:endParaRPr lang="fr-FR" sz="2000" dirty="0">
+              <a:latin typeface="Lobster Two" panose="02000506000000020003" pitchFamily="50" charset="0"/>
+            </a:endParaRPr>
+          </a:p>
+        </p:txBody>
+      </p:sp>
+      <p:sp>
+        <p:nvSpPr>
+          <p:cNvPr id="45" name="ZoneTexte 44"/>
+          <p:cNvSpPr txBox="1"/>
+          <p:nvPr/>
+        </p:nvSpPr>
+        <p:spPr>
+          <a:xfrm>
+            <a:off x="2571294" y="12739897"/>
+            <a:ext cx="1987401" cy="400110"/>
+          </a:xfrm>
+          <a:prstGeom prst="rect">
+            <a:avLst/>
+          </a:prstGeom>
+          <a:noFill/>
+        </p:spPr>
+        <p:txBody>
+          <a:bodyPr wrap="square" rtlCol="0">
+            <a:spAutoFit/>
+          </a:bodyPr>
+          <a:lstStyle/>
+          <a:p>
+            <a:pPr algn="ctr"/>
+            <a:r>
+              <a:rPr lang="fr-FR" sz="2000" dirty="0" smtClean="0">
+                <a:latin typeface="Lobster Two" panose="02000506000000020003" pitchFamily="50" charset="0"/>
+              </a:rPr>
+              <a:t>3 heures</a:t>
+            </a:r>
+            <a:endParaRPr lang="fr-FR" sz="2000" dirty="0">
+              <a:latin typeface="Lobster Two" panose="02000506000000020003" pitchFamily="50" charset="0"/>
+            </a:endParaRPr>
+          </a:p>
+        </p:txBody>
+      </p:sp>
+      <p:sp>
+        <p:nvSpPr>
+          <p:cNvPr id="46" name="ZoneTexte 45"/>
+          <p:cNvSpPr txBox="1"/>
+          <p:nvPr/>
+        </p:nvSpPr>
+        <p:spPr>
+          <a:xfrm>
+            <a:off x="4754189" y="12774553"/>
+            <a:ext cx="1987401" cy="400110"/>
+          </a:xfrm>
+          <a:prstGeom prst="rect">
+            <a:avLst/>
+          </a:prstGeom>
+          <a:noFill/>
+        </p:spPr>
+        <p:txBody>
+          <a:bodyPr wrap="square" rtlCol="0">
+            <a:spAutoFit/>
+          </a:bodyPr>
+          <a:lstStyle/>
+          <a:p>
+            <a:pPr algn="ctr"/>
+            <a:r>
+              <a:rPr lang="fr-FR" sz="2000" dirty="0" smtClean="0">
+                <a:latin typeface="Lobster Two" panose="02000506000000020003" pitchFamily="50" charset="0"/>
+              </a:rPr>
+              <a:t>2 heures</a:t>
+            </a:r>
+            <a:endParaRPr lang="fr-FR" sz="2000" dirty="0">
+              <a:latin typeface="Lobster Two" panose="02000506000000020003" pitchFamily="50" charset="0"/>
+            </a:endParaRPr>
+          </a:p>
+        </p:txBody>
+      </p:sp>
+      <p:sp>
+        <p:nvSpPr>
+          <p:cNvPr id="47" name="ZoneTexte 46"/>
+          <p:cNvSpPr txBox="1"/>
+          <p:nvPr/>
+        </p:nvSpPr>
+        <p:spPr>
+          <a:xfrm>
+            <a:off x="4729126" y="16177408"/>
+            <a:ext cx="1987401" cy="400110"/>
+          </a:xfrm>
+          <a:prstGeom prst="rect">
+            <a:avLst/>
+          </a:prstGeom>
+          <a:noFill/>
+        </p:spPr>
+        <p:txBody>
+          <a:bodyPr wrap="square" rtlCol="0">
+            <a:spAutoFit/>
+          </a:bodyPr>
+          <a:lstStyle/>
+          <a:p>
+            <a:pPr algn="ctr"/>
+            <a:r>
+              <a:rPr lang="fr-FR" sz="2000" dirty="0" smtClean="0">
+                <a:latin typeface="Lobster Two" panose="02000506000000020003" pitchFamily="50" charset="0"/>
+              </a:rPr>
+              <a:t>2 heures</a:t>
+            </a:r>
+            <a:endParaRPr lang="fr-FR" sz="2000" dirty="0">
+              <a:latin typeface="Lobster Two" panose="02000506000000020003" pitchFamily="50" charset="0"/>
+            </a:endParaRPr>
+          </a:p>
+        </p:txBody>
+      </p:sp>
+      <p:sp>
+        <p:nvSpPr>
+          <p:cNvPr id="48" name="ZoneTexte 47"/>
+          <p:cNvSpPr txBox="1"/>
+          <p:nvPr/>
+        </p:nvSpPr>
+        <p:spPr>
+          <a:xfrm>
+            <a:off x="2571294" y="17592066"/>
+            <a:ext cx="1987401" cy="400110"/>
+          </a:xfrm>
+          <a:prstGeom prst="rect">
+            <a:avLst/>
+          </a:prstGeom>
+          <a:noFill/>
+        </p:spPr>
+        <p:txBody>
+          <a:bodyPr wrap="square" rtlCol="0">
+            <a:spAutoFit/>
+          </a:bodyPr>
+          <a:lstStyle/>
+          <a:p>
+            <a:pPr algn="ctr"/>
+            <a:r>
+              <a:rPr lang="fr-FR" sz="2000" dirty="0" smtClean="0">
+                <a:latin typeface="Lobster Two" panose="02000506000000020003" pitchFamily="50" charset="0"/>
+              </a:rPr>
+              <a:t>4 heures</a:t>
+            </a:r>
+            <a:endParaRPr lang="fr-FR" sz="2000" dirty="0">
+              <a:latin typeface="Lobster Two" panose="02000506000000020003" pitchFamily="50" charset="0"/>
+            </a:endParaRPr>
+          </a:p>
+        </p:txBody>
+      </p:sp>
+      <p:sp>
+        <p:nvSpPr>
+          <p:cNvPr id="49" name="ZoneTexte 48"/>
+          <p:cNvSpPr txBox="1"/>
+          <p:nvPr/>
+        </p:nvSpPr>
+        <p:spPr>
+          <a:xfrm>
+            <a:off x="2164210" y="16060359"/>
+            <a:ext cx="1987401" cy="400110"/>
+          </a:xfrm>
+          <a:prstGeom prst="rect">
+            <a:avLst/>
+          </a:prstGeom>
+          <a:noFill/>
+        </p:spPr>
+        <p:txBody>
+          <a:bodyPr wrap="square" rtlCol="0">
+            <a:spAutoFit/>
+          </a:bodyPr>
+          <a:lstStyle/>
+          <a:p>
+            <a:pPr algn="ctr"/>
+            <a:r>
+              <a:rPr lang="fr-FR" sz="2000" dirty="0" smtClean="0">
+                <a:latin typeface="Lobster Two" panose="02000506000000020003" pitchFamily="50" charset="0"/>
+              </a:rPr>
+              <a:t>Martine, Thomas</a:t>
+            </a:r>
+            <a:endParaRPr lang="fr-FR" sz="2000" dirty="0">
+              <a:latin typeface="Lobster Two" panose="02000506000000020003" pitchFamily="50" charset="0"/>
+            </a:endParaRPr>
+          </a:p>
+        </p:txBody>
+      </p:sp>
+      <p:sp>
+        <p:nvSpPr>
+          <p:cNvPr id="50" name="ZoneTexte 49"/>
+          <p:cNvSpPr txBox="1"/>
+          <p:nvPr/>
+        </p:nvSpPr>
+        <p:spPr>
+          <a:xfrm>
+            <a:off x="9357912" y="11610884"/>
+            <a:ext cx="3561118" cy="2308324"/>
+          </a:xfrm>
+          <a:prstGeom prst="rect">
+            <a:avLst/>
+          </a:prstGeom>
+          <a:noFill/>
+        </p:spPr>
+        <p:txBody>
+          <a:bodyPr wrap="square" rtlCol="0">
+            <a:spAutoFit/>
+          </a:bodyPr>
+          <a:lstStyle/>
+          <a:p>
+            <a:r>
+              <a:rPr lang="fr-FR" sz="3600" dirty="0" smtClean="0">
+                <a:latin typeface="Lobster Two" panose="02000506000000020003" pitchFamily="50" charset="0"/>
+              </a:rPr>
+              <a:t>Possibilité de créer un groupe et de fusionner plusieurs tâches</a:t>
+            </a:r>
+            <a:endParaRPr lang="fr-FR" sz="3600" dirty="0">
+              <a:latin typeface="Lobster Two" panose="02000506000000020003" pitchFamily="50" charset="0"/>
+            </a:endParaRPr>
+          </a:p>
+        </p:txBody>
+      </p:sp>
+      <p:sp>
+        <p:nvSpPr>
+          <p:cNvPr id="52" name="Bulle ronde 51"/>
+          <p:cNvSpPr/>
+          <p:nvPr/>
+        </p:nvSpPr>
+        <p:spPr>
+          <a:xfrm>
+            <a:off x="6391962" y="6442555"/>
+            <a:ext cx="7418331" cy="2165664"/>
+          </a:xfrm>
+          <a:prstGeom prst="wedgeEllipseCallout">
+            <a:avLst>
+              <a:gd name="adj1" fmla="val 75505"/>
+              <a:gd name="adj2" fmla="val 35538"/>
+            </a:avLst>
+          </a:prstGeom>
+          <a:noFill/>
+          <a:ln>
+            <a:solidFill>
+              <a:schemeClr val="tx1"/>
+            </a:solidFill>
+          </a:ln>
+        </p:spPr>
+        <p:style>
+          <a:lnRef idx="2">
+            <a:schemeClr val="accent1">
+              <a:shade val="50000"/>
+            </a:schemeClr>
+          </a:lnRef>
+          <a:fillRef idx="1">
+            <a:schemeClr val="accent1"/>
+          </a:fillRef>
+          <a:effectRef idx="0">
+            <a:schemeClr val="accent1"/>
+          </a:effectRef>
+          <a:fontRef idx="minor">
+            <a:schemeClr val="lt1"/>
+          </a:fontRef>
+        </p:style>
+        <p:txBody>
+          <a:bodyPr rtlCol="0" anchor="ctr"/>
+          <a:lstStyle/>
+          <a:p>
+            <a:pPr algn="ctr"/>
+            <a:endParaRPr lang="fr-FR"/>
+          </a:p>
+        </p:txBody>
+      </p:sp>
       <p:pic>
         <p:nvPicPr>
-          <p:cNvPr id="12" name="Image 11"/>
+          <p:cNvPr id="57" name="Image 56"/>
           <p:cNvPicPr>
             <a:picLocks noChangeAspect="1"/>
           </p:cNvPicPr>
           <p:nvPr/>
         </p:nvPicPr>
         <p:blipFill>
-          <a:blip r:embed="rId4"/>
+          <a:blip r:embed="rId4">
+            <a:extLst>
+              <a:ext uri="{28A0092B-C50C-407E-A947-70E740481C1C}">
+                <a14:useLocalDpi xmlns:a14="http://schemas.microsoft.com/office/drawing/2010/main" val="0"/>
+              </a:ext>
+            </a:extLst>
+          </a:blip>
           <a:stretch>
             <a:fillRect/>
           </a:stretch>
         </p:blipFill>
         <p:spPr>
           <a:xfrm>
-            <a:off x="14787561" y="8750945"/>
-            <a:ext cx="2533650" cy="1714500"/>
+            <a:off x="5096868" y="26637411"/>
+            <a:ext cx="5715000" cy="3352800"/>
           </a:xfrm>
           <a:prstGeom prst="rect">
             <a:avLst/>
@@ -3045,22 +4089,28 @@
       </p:pic>
       <p:pic>
         <p:nvPicPr>
-          <p:cNvPr id="13" name="Image 12"/>
+          <p:cNvPr id="59" name="Image 58"/>
           <p:cNvPicPr>
             <a:picLocks noChangeAspect="1"/>
           </p:cNvPicPr>
           <p:nvPr/>
         </p:nvPicPr>
         <p:blipFill>
-          <a:blip r:embed="rId5"/>
+          <a:blip r:embed="rId5" cstate="print">
+            <a:extLst>
+              <a:ext uri="{28A0092B-C50C-407E-A947-70E740481C1C}">
+                <a14:useLocalDpi xmlns:a14="http://schemas.microsoft.com/office/drawing/2010/main" val="0"/>
+              </a:ext>
+            </a:extLst>
+          </a:blip>
           <a:stretch>
             <a:fillRect/>
           </a:stretch>
         </p:blipFill>
         <p:spPr>
           <a:xfrm>
-            <a:off x="17735548" y="12570612"/>
-            <a:ext cx="2628900" cy="2543175"/>
+            <a:off x="1085156" y="26683483"/>
+            <a:ext cx="3260657" cy="3260657"/>
           </a:xfrm>
           <a:prstGeom prst="rect">
             <a:avLst/>
@@ -3069,14 +4119,14 @@
       </p:pic>
       <p:sp>
         <p:nvSpPr>
-          <p:cNvPr id="2" name="ZoneTexte 1"/>
+          <p:cNvPr id="60" name="ZoneTexte 59"/>
           <p:cNvSpPr txBox="1"/>
           <p:nvPr/>
         </p:nvSpPr>
         <p:spPr>
           <a:xfrm>
-            <a:off x="7734299" y="4017769"/>
-            <a:ext cx="11125200" cy="843436"/>
+            <a:off x="977259" y="20417703"/>
+            <a:ext cx="4652961" cy="923330"/>
           </a:xfrm>
           <a:prstGeom prst="rect">
             <a:avLst/>
@@ -3090,59 +4140,178 @@
           <a:lstStyle/>
           <a:p>
             <a:r>
-              <a:rPr lang="en-GB" dirty="0" smtClean="0"/>
-              <a:t>Application web de </a:t>
-            </a:r>
-            <a:r>
-              <a:rPr lang="fr-FR" dirty="0" smtClean="0"/>
-              <a:t>gestion</a:t>
-            </a:r>
-            <a:r>
-              <a:rPr lang="en-GB" dirty="0" smtClean="0"/>
-              <a:t> de </a:t>
-            </a:r>
-            <a:r>
-              <a:rPr lang="fr-FR" dirty="0" smtClean="0"/>
-              <a:t>tâches</a:t>
-            </a:r>
-            <a:endParaRPr lang="fr-FR" dirty="0"/>
+              <a:rPr lang="fr-FR" sz="5400" dirty="0" smtClean="0">
+                <a:latin typeface="Lobster Two" panose="02000506000000020003" pitchFamily="50" charset="0"/>
+              </a:rPr>
+              <a:t>Projet réalisé par </a:t>
+            </a:r>
+            <a:endParaRPr lang="fr-FR" sz="5400" dirty="0">
+              <a:latin typeface="Lobster Two" panose="02000506000000020003" pitchFamily="50" charset="0"/>
+            </a:endParaRPr>
+          </a:p>
+        </p:txBody>
+      </p:sp>
+      <p:sp>
+        <p:nvSpPr>
+          <p:cNvPr id="61" name="ZoneTexte 60"/>
+          <p:cNvSpPr txBox="1"/>
+          <p:nvPr/>
+        </p:nvSpPr>
+        <p:spPr>
+          <a:xfrm>
+            <a:off x="1408151" y="21425852"/>
+            <a:ext cx="5964590" cy="2585323"/>
+          </a:xfrm>
+          <a:prstGeom prst="rect">
+            <a:avLst/>
+          </a:prstGeom>
+          <a:noFill/>
+        </p:spPr>
+        <p:txBody>
+          <a:bodyPr wrap="square" rtlCol="0">
+            <a:spAutoFit/>
+          </a:bodyPr>
+          <a:lstStyle/>
+          <a:p>
+            <a:pPr algn="ctr"/>
+            <a:r>
+              <a:rPr lang="fr-FR" sz="5400" dirty="0" smtClean="0">
+                <a:latin typeface="Lobster Two" panose="02000506000000020003" pitchFamily="50" charset="0"/>
+              </a:rPr>
+              <a:t>Alexis Barny</a:t>
+            </a:r>
+          </a:p>
+          <a:p>
+            <a:pPr algn="ctr"/>
+            <a:r>
+              <a:rPr lang="fr-FR" sz="5400" dirty="0" smtClean="0">
+                <a:latin typeface="Lobster Two" panose="02000506000000020003" pitchFamily="50" charset="0"/>
+              </a:rPr>
+              <a:t>Pierre Eveno</a:t>
+            </a:r>
+          </a:p>
+          <a:p>
+            <a:pPr algn="ctr"/>
+            <a:r>
+              <a:rPr lang="fr-FR" sz="5400" dirty="0" smtClean="0">
+                <a:latin typeface="Lobster Two" panose="02000506000000020003" pitchFamily="50" charset="0"/>
+              </a:rPr>
+              <a:t>Hadrien Tran</a:t>
+            </a:r>
+            <a:endParaRPr lang="fr-FR" sz="5400" dirty="0">
+              <a:latin typeface="Lobster Two" panose="02000506000000020003" pitchFamily="50" charset="0"/>
+            </a:endParaRPr>
           </a:p>
         </p:txBody>
       </p:sp>
       <p:pic>
         <p:nvPicPr>
-          <p:cNvPr id="3" name="Image 2"/>
+          <p:cNvPr id="6" name="Image 5"/>
           <p:cNvPicPr>
             <a:picLocks noChangeAspect="1"/>
           </p:cNvPicPr>
           <p:nvPr/>
         </p:nvPicPr>
         <p:blipFill>
-          <a:blip r:embed="rId6"/>
+          <a:blip r:embed="rId6">
+            <a:extLst>
+              <a:ext uri="{28A0092B-C50C-407E-A947-70E740481C1C}">
+                <a14:useLocalDpi xmlns:a14="http://schemas.microsoft.com/office/drawing/2010/main" val="0"/>
+              </a:ext>
+            </a:extLst>
+          </a:blip>
           <a:stretch>
             <a:fillRect/>
           </a:stretch>
         </p:blipFill>
         <p:spPr>
           <a:xfrm>
-            <a:off x="14787561" y="11077419"/>
-            <a:ext cx="2733675" cy="2486025"/>
+            <a:off x="8528631" y="16485807"/>
+            <a:ext cx="12229357" cy="5111341"/>
           </a:xfrm>
           <a:prstGeom prst="rect">
             <a:avLst/>
           </a:prstGeom>
-        </p:spPr>
+          <a:ln>
+            <a:solidFill>
+              <a:schemeClr val="bg2"/>
+            </a:solidFill>
+          </a:ln>
+        </p:spPr>
+        <p:style>
+          <a:lnRef idx="2">
+            <a:schemeClr val="dk1"/>
+          </a:lnRef>
+          <a:fillRef idx="1">
+            <a:schemeClr val="lt1"/>
+          </a:fillRef>
+          <a:effectRef idx="0">
+            <a:schemeClr val="dk1"/>
+          </a:effectRef>
+          <a:fontRef idx="minor">
+            <a:schemeClr val="dk1"/>
+          </a:fontRef>
+        </p:style>
       </p:pic>
       <p:sp>
         <p:nvSpPr>
-          <p:cNvPr id="4" name="ZoneTexte 3"/>
+          <p:cNvPr id="43" name="Bulle ronde 42"/>
+          <p:cNvSpPr/>
+          <p:nvPr/>
+        </p:nvSpPr>
+        <p:spPr>
+          <a:xfrm>
+            <a:off x="8249806" y="10960436"/>
+            <a:ext cx="5545346" cy="3809934"/>
+          </a:xfrm>
+          <a:prstGeom prst="wedgeEllipseCallout">
+            <a:avLst>
+              <a:gd name="adj1" fmla="val -54506"/>
+              <a:gd name="adj2" fmla="val -50334"/>
+            </a:avLst>
+          </a:prstGeom>
+          <a:noFill/>
+          <a:ln>
+            <a:solidFill>
+              <a:schemeClr val="tx1"/>
+            </a:solidFill>
+          </a:ln>
+        </p:spPr>
+        <p:style>
+          <a:lnRef idx="2">
+            <a:schemeClr val="accent1">
+              <a:shade val="50000"/>
+            </a:schemeClr>
+          </a:lnRef>
+          <a:fillRef idx="1">
+            <a:schemeClr val="accent1"/>
+          </a:fillRef>
+          <a:effectRef idx="0">
+            <a:schemeClr val="accent1"/>
+          </a:effectRef>
+          <a:fontRef idx="minor">
+            <a:schemeClr val="lt1"/>
+          </a:fontRef>
+        </p:style>
+        <p:txBody>
+          <a:bodyPr rtlCol="0" anchor="ctr"/>
+          <a:lstStyle/>
+          <a:p>
+            <a:pPr algn="ctr"/>
+            <a:endParaRPr lang="fr-FR"/>
+          </a:p>
+        </p:txBody>
+      </p:sp>
+      <p:sp>
+        <p:nvSpPr>
+          <p:cNvPr id="54" name="ZoneTexte 53"/>
           <p:cNvSpPr txBox="1"/>
           <p:nvPr/>
         </p:nvSpPr>
         <p:spPr>
           <a:xfrm>
-            <a:off x="7734299" y="1143000"/>
-            <a:ext cx="13144500" cy="3170099"/>
+            <a:off x="8654971" y="22091240"/>
+            <a:ext cx="12223828" cy="2308324"/>
           </a:xfrm>
           <a:prstGeom prst="rect">
             <a:avLst/>
@@ -3155,13 +4324,23 @@
           </a:bodyPr>
           <a:lstStyle/>
           <a:p>
-            <a:r>
-              <a:rPr lang="en-GB" sz="20000" dirty="0" smtClean="0">
+            <a:pPr algn="just"/>
+            <a:r>
+              <a:rPr lang="fr-FR" sz="3600" dirty="0" smtClean="0">
                 <a:latin typeface="Lobster Two" panose="02000506000000020003" pitchFamily="50" charset="0"/>
               </a:rPr>
-              <a:t>TeamShare</a:t>
-            </a:r>
-            <a:endParaRPr lang="en-GB" sz="20000" dirty="0">
+              <a:t>La page d’accueil de l’application se présente sous la forme d’un calendrier résumant les tâches du mois sélectionné. </a:t>
+            </a:r>
+          </a:p>
+          <a:p>
+            <a:pPr algn="just"/>
+            <a:r>
+              <a:rPr lang="fr-FR" sz="3600" dirty="0" smtClean="0">
+                <a:latin typeface="Lobster Two" panose="02000506000000020003" pitchFamily="50" charset="0"/>
+              </a:rPr>
+              <a:t>Lors du clic sur une journée, le détail des tâches de la journée s’affiche avec une interface drag an drop.</a:t>
+            </a:r>
+            <a:endParaRPr lang="fr-FR" sz="3600" dirty="0">
               <a:latin typeface="Lobster Two" panose="02000506000000020003" pitchFamily="50" charset="0"/>
             </a:endParaRPr>
           </a:p>
@@ -3169,7 +4348,7 @@
       </p:sp>
       <p:pic>
         <p:nvPicPr>
-          <p:cNvPr id="5" name="Image 4"/>
+          <p:cNvPr id="9" name="Image 8"/>
           <p:cNvPicPr>
             <a:picLocks noChangeAspect="1"/>
           </p:cNvPicPr>
@@ -3189,51 +4368,17 @@
         </p:blipFill>
         <p:spPr>
           <a:xfrm>
-            <a:off x="1371340" y="778816"/>
-            <a:ext cx="5821937" cy="5088583"/>
+            <a:off x="16909715" y="26029091"/>
+            <a:ext cx="4280565" cy="3961120"/>
           </a:xfrm>
           <a:prstGeom prst="rect">
             <a:avLst/>
           </a:prstGeom>
         </p:spPr>
       </p:pic>
-      <p:sp>
-        <p:nvSpPr>
-          <p:cNvPr id="21" name="ZoneTexte 20"/>
-          <p:cNvSpPr txBox="1"/>
-          <p:nvPr/>
-        </p:nvSpPr>
-        <p:spPr>
-          <a:xfrm>
-            <a:off x="2749498" y="7768356"/>
-            <a:ext cx="9739568" cy="1754326"/>
-          </a:xfrm>
-          <a:prstGeom prst="rect">
-            <a:avLst/>
-          </a:prstGeom>
-          <a:noFill/>
-        </p:spPr>
-        <p:txBody>
-          <a:bodyPr wrap="square" rtlCol="0">
-            <a:spAutoFit/>
-          </a:bodyPr>
-          <a:lstStyle/>
-          <a:p>
-            <a:r>
-              <a:rPr lang="fr-FR" sz="5400" dirty="0" smtClean="0">
-                <a:latin typeface="Lobster Two" panose="02000506000000020003" pitchFamily="50" charset="0"/>
-              </a:rPr>
-              <a:t>Système de Drag&amp;Drop pour organiser les tâches</a:t>
-            </a:r>
-            <a:endParaRPr lang="fr-FR" sz="5400" dirty="0">
-              <a:latin typeface="Lobster Two" panose="02000506000000020003" pitchFamily="50" charset="0"/>
-            </a:endParaRPr>
-          </a:p>
-        </p:txBody>
-      </p:sp>
       <p:pic>
         <p:nvPicPr>
-          <p:cNvPr id="23" name="Image 22"/>
+          <p:cNvPr id="14" name="Image 13"/>
           <p:cNvPicPr>
             <a:picLocks noChangeAspect="1"/>
           </p:cNvPicPr>
@@ -3253,948 +4398,17 @@
         </p:blipFill>
         <p:spPr>
           <a:xfrm>
-            <a:off x="1050456" y="11077419"/>
-            <a:ext cx="8253195" cy="11333192"/>
+            <a:off x="11849299" y="26598855"/>
+            <a:ext cx="4914500" cy="3429911"/>
           </a:xfrm>
           <a:prstGeom prst="rect">
             <a:avLst/>
           </a:prstGeom>
         </p:spPr>
       </p:pic>
-      <p:sp>
-        <p:nvSpPr>
-          <p:cNvPr id="25" name="Rectangle 24"/>
-          <p:cNvSpPr/>
-          <p:nvPr/>
-        </p:nvSpPr>
-        <p:spPr>
-          <a:xfrm>
-            <a:off x="3331518" y="13283122"/>
-            <a:ext cx="1702340" cy="3005847"/>
-          </a:xfrm>
-          <a:prstGeom prst="rect">
-            <a:avLst/>
-          </a:prstGeom>
-          <a:solidFill>
-            <a:srgbClr val="EAE672"/>
-          </a:solidFill>
-          <a:ln>
-            <a:solidFill>
-              <a:srgbClr val="EAE672"/>
-            </a:solidFill>
-          </a:ln>
-        </p:spPr>
-        <p:style>
-          <a:lnRef idx="2">
-            <a:schemeClr val="accent1">
-              <a:shade val="50000"/>
-            </a:schemeClr>
-          </a:lnRef>
-          <a:fillRef idx="1">
-            <a:schemeClr val="accent1"/>
-          </a:fillRef>
-          <a:effectRef idx="0">
-            <a:schemeClr val="accent1"/>
-          </a:effectRef>
-          <a:fontRef idx="minor">
-            <a:schemeClr val="lt1"/>
-          </a:fontRef>
-        </p:style>
-        <p:txBody>
-          <a:bodyPr rtlCol="0" anchor="ctr"/>
-          <a:lstStyle/>
-          <a:p>
-            <a:pPr algn="ctr"/>
-            <a:endParaRPr lang="fr-FR"/>
-          </a:p>
-        </p:txBody>
-      </p:sp>
-      <p:sp>
-        <p:nvSpPr>
-          <p:cNvPr id="26" name="Rectangle 25"/>
-          <p:cNvSpPr/>
-          <p:nvPr/>
-        </p:nvSpPr>
-        <p:spPr>
-          <a:xfrm>
-            <a:off x="5432692" y="13283122"/>
-            <a:ext cx="1741251" cy="3103123"/>
-          </a:xfrm>
-          <a:prstGeom prst="rect">
-            <a:avLst/>
-          </a:prstGeom>
-          <a:solidFill>
-            <a:srgbClr val="7276EA"/>
-          </a:solidFill>
-          <a:ln>
-            <a:solidFill>
-              <a:srgbClr val="7276EA"/>
-            </a:solidFill>
-          </a:ln>
-        </p:spPr>
-        <p:style>
-          <a:lnRef idx="2">
-            <a:schemeClr val="accent1">
-              <a:shade val="50000"/>
-            </a:schemeClr>
-          </a:lnRef>
-          <a:fillRef idx="1">
-            <a:schemeClr val="accent1"/>
-          </a:fillRef>
-          <a:effectRef idx="0">
-            <a:schemeClr val="accent1"/>
-          </a:effectRef>
-          <a:fontRef idx="minor">
-            <a:schemeClr val="lt1"/>
-          </a:fontRef>
-        </p:style>
-        <p:txBody>
-          <a:bodyPr rtlCol="0" anchor="ctr"/>
-          <a:lstStyle/>
-          <a:p>
-            <a:pPr algn="ctr"/>
-            <a:endParaRPr lang="fr-FR"/>
-          </a:p>
-        </p:txBody>
-      </p:sp>
-      <p:sp>
-        <p:nvSpPr>
-          <p:cNvPr id="27" name="Rectangle 26"/>
-          <p:cNvSpPr/>
-          <p:nvPr/>
-        </p:nvSpPr>
-        <p:spPr>
-          <a:xfrm>
-            <a:off x="3331518" y="17359011"/>
-            <a:ext cx="1614791" cy="3764605"/>
-          </a:xfrm>
-          <a:prstGeom prst="rect">
-            <a:avLst/>
-          </a:prstGeom>
-          <a:solidFill>
-            <a:srgbClr val="B2EA72"/>
-          </a:solidFill>
-          <a:ln>
-            <a:solidFill>
-              <a:srgbClr val="B2EA72"/>
-            </a:solidFill>
-          </a:ln>
-        </p:spPr>
-        <p:style>
-          <a:lnRef idx="2">
-            <a:schemeClr val="accent1">
-              <a:shade val="50000"/>
-            </a:schemeClr>
-          </a:lnRef>
-          <a:fillRef idx="1">
-            <a:schemeClr val="accent1"/>
-          </a:fillRef>
-          <a:effectRef idx="0">
-            <a:schemeClr val="accent1"/>
-          </a:effectRef>
-          <a:fontRef idx="minor">
-            <a:schemeClr val="lt1"/>
-          </a:fontRef>
-        </p:style>
-        <p:txBody>
-          <a:bodyPr rtlCol="0" anchor="ctr"/>
-          <a:lstStyle/>
-          <a:p>
-            <a:pPr algn="ctr"/>
-            <a:endParaRPr lang="fr-FR"/>
-          </a:p>
-        </p:txBody>
-      </p:sp>
-      <p:sp>
-        <p:nvSpPr>
-          <p:cNvPr id="28" name="Rectangle 27"/>
-          <p:cNvSpPr/>
-          <p:nvPr/>
-        </p:nvSpPr>
-        <p:spPr>
-          <a:xfrm>
-            <a:off x="5539696" y="17378467"/>
-            <a:ext cx="1517515" cy="2402731"/>
-          </a:xfrm>
-          <a:prstGeom prst="rect">
-            <a:avLst/>
-          </a:prstGeom>
-          <a:solidFill>
-            <a:srgbClr val="F26A6F"/>
-          </a:solidFill>
-          <a:ln>
-            <a:solidFill>
-              <a:srgbClr val="F26A6F"/>
-            </a:solidFill>
-          </a:ln>
-        </p:spPr>
-        <p:style>
-          <a:lnRef idx="2">
-            <a:schemeClr val="accent1">
-              <a:shade val="50000"/>
-            </a:schemeClr>
-          </a:lnRef>
-          <a:fillRef idx="1">
-            <a:schemeClr val="accent1"/>
-          </a:fillRef>
-          <a:effectRef idx="0">
-            <a:schemeClr val="accent1"/>
-          </a:effectRef>
-          <a:fontRef idx="minor">
-            <a:schemeClr val="lt1"/>
-          </a:fontRef>
-        </p:style>
-        <p:txBody>
-          <a:bodyPr rtlCol="0" anchor="ctr"/>
-          <a:lstStyle/>
-          <a:p>
-            <a:pPr algn="ctr"/>
-            <a:endParaRPr lang="fr-FR"/>
-          </a:p>
-        </p:txBody>
-      </p:sp>
-      <p:sp>
-        <p:nvSpPr>
-          <p:cNvPr id="29" name="Rectangle 28"/>
-          <p:cNvSpPr/>
-          <p:nvPr/>
-        </p:nvSpPr>
-        <p:spPr>
-          <a:xfrm>
-            <a:off x="4430743" y="12339539"/>
-            <a:ext cx="1721796" cy="476655"/>
-          </a:xfrm>
-          <a:prstGeom prst="rect">
-            <a:avLst/>
-          </a:prstGeom>
-          <a:solidFill>
-            <a:srgbClr val="72EAE6"/>
-          </a:solidFill>
-          <a:ln>
-            <a:solidFill>
-              <a:srgbClr val="72EAE6"/>
-            </a:solidFill>
-          </a:ln>
-        </p:spPr>
-        <p:style>
-          <a:lnRef idx="2">
-            <a:schemeClr val="accent1">
-              <a:shade val="50000"/>
-            </a:schemeClr>
-          </a:lnRef>
-          <a:fillRef idx="1">
-            <a:schemeClr val="accent1"/>
-          </a:fillRef>
-          <a:effectRef idx="0">
-            <a:schemeClr val="accent1"/>
-          </a:effectRef>
-          <a:fontRef idx="minor">
-            <a:schemeClr val="lt1"/>
-          </a:fontRef>
-        </p:style>
-        <p:txBody>
-          <a:bodyPr rtlCol="0" anchor="ctr"/>
-          <a:lstStyle/>
-          <a:p>
-            <a:pPr algn="ctr"/>
-            <a:endParaRPr lang="fr-FR"/>
-          </a:p>
-        </p:txBody>
-      </p:sp>
-      <p:sp>
-        <p:nvSpPr>
-          <p:cNvPr id="31" name="ZoneTexte 30"/>
-          <p:cNvSpPr txBox="1"/>
-          <p:nvPr/>
-        </p:nvSpPr>
-        <p:spPr>
-          <a:xfrm>
-            <a:off x="3191291" y="13274657"/>
-            <a:ext cx="1987401" cy="461665"/>
-          </a:xfrm>
-          <a:prstGeom prst="rect">
-            <a:avLst/>
-          </a:prstGeom>
-          <a:noFill/>
-        </p:spPr>
-        <p:txBody>
-          <a:bodyPr wrap="square" rtlCol="0">
-            <a:spAutoFit/>
-          </a:bodyPr>
-          <a:lstStyle/>
-          <a:p>
-            <a:r>
-              <a:rPr lang="fr-FR" sz="2400" dirty="0" smtClean="0">
-                <a:latin typeface="Lobster Two" panose="02000506000000020003" pitchFamily="50" charset="0"/>
-              </a:rPr>
-              <a:t>Ranger les jeux</a:t>
-            </a:r>
-            <a:endParaRPr lang="fr-FR" sz="2400" dirty="0">
-              <a:latin typeface="Lobster Two" panose="02000506000000020003" pitchFamily="50" charset="0"/>
-            </a:endParaRPr>
-          </a:p>
-        </p:txBody>
-      </p:sp>
-      <p:sp>
-        <p:nvSpPr>
-          <p:cNvPr id="33" name="ZoneTexte 32"/>
-          <p:cNvSpPr txBox="1"/>
-          <p:nvPr/>
-        </p:nvSpPr>
-        <p:spPr>
-          <a:xfrm>
-            <a:off x="5304752" y="13237324"/>
-            <a:ext cx="1987401" cy="830997"/>
-          </a:xfrm>
-          <a:prstGeom prst="rect">
-            <a:avLst/>
-          </a:prstGeom>
-          <a:noFill/>
-        </p:spPr>
-        <p:txBody>
-          <a:bodyPr wrap="square" rtlCol="0">
-            <a:spAutoFit/>
-          </a:bodyPr>
-          <a:lstStyle/>
-          <a:p>
-            <a:pPr algn="ctr"/>
-            <a:r>
-              <a:rPr lang="fr-FR" sz="2400" dirty="0" smtClean="0">
-                <a:latin typeface="Lobster Two" panose="02000506000000020003" pitchFamily="50" charset="0"/>
-              </a:rPr>
-              <a:t>Acheter nouveaux jeux</a:t>
-            </a:r>
-            <a:endParaRPr lang="fr-FR" sz="2400" dirty="0">
-              <a:latin typeface="Lobster Two" panose="02000506000000020003" pitchFamily="50" charset="0"/>
-            </a:endParaRPr>
-          </a:p>
-        </p:txBody>
-      </p:sp>
-      <p:sp>
-        <p:nvSpPr>
-          <p:cNvPr id="34" name="ZoneTexte 33"/>
-          <p:cNvSpPr txBox="1"/>
-          <p:nvPr/>
-        </p:nvSpPr>
-        <p:spPr>
-          <a:xfrm>
-            <a:off x="3996652" y="12101481"/>
-            <a:ext cx="2616199" cy="954107"/>
-          </a:xfrm>
-          <a:prstGeom prst="rect">
-            <a:avLst/>
-          </a:prstGeom>
-          <a:noFill/>
-        </p:spPr>
-        <p:txBody>
-          <a:bodyPr wrap="square" rtlCol="0">
-            <a:spAutoFit/>
-          </a:bodyPr>
-          <a:lstStyle/>
-          <a:p>
-            <a:pPr algn="ctr"/>
-            <a:r>
-              <a:rPr lang="fr-FR" sz="2800" dirty="0" smtClean="0">
-                <a:latin typeface="Lobster Two" panose="02000506000000020003" pitchFamily="50" charset="0"/>
-              </a:rPr>
-              <a:t>Organiser Fête des jeux</a:t>
-            </a:r>
-            <a:endParaRPr lang="fr-FR" sz="2800" dirty="0">
-              <a:latin typeface="Lobster Two" panose="02000506000000020003" pitchFamily="50" charset="0"/>
-            </a:endParaRPr>
-          </a:p>
-        </p:txBody>
-      </p:sp>
-      <p:sp>
-        <p:nvSpPr>
-          <p:cNvPr id="35" name="ZoneTexte 34"/>
-          <p:cNvSpPr txBox="1"/>
-          <p:nvPr/>
-        </p:nvSpPr>
-        <p:spPr>
-          <a:xfrm>
-            <a:off x="3145212" y="17359011"/>
-            <a:ext cx="1987401" cy="830997"/>
-          </a:xfrm>
-          <a:prstGeom prst="rect">
-            <a:avLst/>
-          </a:prstGeom>
-          <a:noFill/>
-        </p:spPr>
-        <p:txBody>
-          <a:bodyPr wrap="square" rtlCol="0">
-            <a:spAutoFit/>
-          </a:bodyPr>
-          <a:lstStyle/>
-          <a:p>
-            <a:pPr algn="ctr"/>
-            <a:r>
-              <a:rPr lang="fr-FR" sz="2400" dirty="0" smtClean="0">
-                <a:latin typeface="Lobster Two" panose="02000506000000020003" pitchFamily="50" charset="0"/>
-              </a:rPr>
-              <a:t>Préparer animation</a:t>
-            </a:r>
-            <a:endParaRPr lang="fr-FR" sz="2400" dirty="0">
-              <a:latin typeface="Lobster Two" panose="02000506000000020003" pitchFamily="50" charset="0"/>
-            </a:endParaRPr>
-          </a:p>
-        </p:txBody>
-      </p:sp>
-      <p:sp>
-        <p:nvSpPr>
-          <p:cNvPr id="36" name="ZoneTexte 35"/>
-          <p:cNvSpPr txBox="1"/>
-          <p:nvPr/>
-        </p:nvSpPr>
-        <p:spPr>
-          <a:xfrm>
-            <a:off x="5304751" y="17359011"/>
-            <a:ext cx="1987401" cy="461665"/>
-          </a:xfrm>
-          <a:prstGeom prst="rect">
-            <a:avLst/>
-          </a:prstGeom>
-          <a:noFill/>
-        </p:spPr>
-        <p:txBody>
-          <a:bodyPr wrap="square" rtlCol="0">
-            <a:spAutoFit/>
-          </a:bodyPr>
-          <a:lstStyle/>
-          <a:p>
-            <a:pPr algn="ctr"/>
-            <a:r>
-              <a:rPr lang="fr-FR" sz="2400" dirty="0" smtClean="0">
-                <a:latin typeface="Lobster Two" panose="02000506000000020003" pitchFamily="50" charset="0"/>
-              </a:rPr>
-              <a:t>Faire inventaire</a:t>
-            </a:r>
-            <a:endParaRPr lang="fr-FR" sz="2400" dirty="0">
-              <a:latin typeface="Lobster Two" panose="02000506000000020003" pitchFamily="50" charset="0"/>
-            </a:endParaRPr>
-          </a:p>
-        </p:txBody>
-      </p:sp>
-      <p:sp>
-        <p:nvSpPr>
-          <p:cNvPr id="38" name="ZoneTexte 37"/>
-          <p:cNvSpPr txBox="1"/>
-          <p:nvPr/>
-        </p:nvSpPr>
-        <p:spPr>
-          <a:xfrm>
-            <a:off x="5271462" y="14321535"/>
-            <a:ext cx="1987401" cy="461665"/>
-          </a:xfrm>
-          <a:prstGeom prst="rect">
-            <a:avLst/>
-          </a:prstGeom>
-          <a:noFill/>
-        </p:spPr>
-        <p:txBody>
-          <a:bodyPr wrap="square" rtlCol="0">
-            <a:spAutoFit/>
-          </a:bodyPr>
-          <a:lstStyle/>
-          <a:p>
-            <a:pPr algn="ctr"/>
-            <a:r>
-              <a:rPr lang="fr-FR" sz="2400" dirty="0" smtClean="0">
-                <a:latin typeface="Lobster Two" panose="02000506000000020003" pitchFamily="50" charset="0"/>
-              </a:rPr>
-              <a:t>Henry</a:t>
-            </a:r>
-            <a:endParaRPr lang="fr-FR" sz="2400" dirty="0">
-              <a:latin typeface="Lobster Two" panose="02000506000000020003" pitchFamily="50" charset="0"/>
-            </a:endParaRPr>
-          </a:p>
-        </p:txBody>
-      </p:sp>
-      <p:sp>
-        <p:nvSpPr>
-          <p:cNvPr id="39" name="ZoneTexte 38"/>
-          <p:cNvSpPr txBox="1"/>
-          <p:nvPr/>
-        </p:nvSpPr>
-        <p:spPr>
-          <a:xfrm>
-            <a:off x="3188573" y="14321535"/>
-            <a:ext cx="1987401" cy="461665"/>
-          </a:xfrm>
-          <a:prstGeom prst="rect">
-            <a:avLst/>
-          </a:prstGeom>
-          <a:noFill/>
-        </p:spPr>
-        <p:txBody>
-          <a:bodyPr wrap="square" rtlCol="0">
-            <a:spAutoFit/>
-          </a:bodyPr>
-          <a:lstStyle/>
-          <a:p>
-            <a:pPr algn="ctr"/>
-            <a:r>
-              <a:rPr lang="fr-FR" sz="2400" dirty="0" smtClean="0">
-                <a:latin typeface="Lobster Two" panose="02000506000000020003" pitchFamily="50" charset="0"/>
-              </a:rPr>
-              <a:t>Jack</a:t>
-            </a:r>
-            <a:endParaRPr lang="fr-FR" sz="2400" dirty="0">
-              <a:latin typeface="Lobster Two" panose="02000506000000020003" pitchFamily="50" charset="0"/>
-            </a:endParaRPr>
-          </a:p>
-        </p:txBody>
-      </p:sp>
-      <p:sp>
-        <p:nvSpPr>
-          <p:cNvPr id="40" name="ZoneTexte 39"/>
-          <p:cNvSpPr txBox="1"/>
-          <p:nvPr/>
-        </p:nvSpPr>
-        <p:spPr>
-          <a:xfrm>
-            <a:off x="3145211" y="18899920"/>
-            <a:ext cx="1987401" cy="461665"/>
-          </a:xfrm>
-          <a:prstGeom prst="rect">
-            <a:avLst/>
-          </a:prstGeom>
-          <a:noFill/>
-        </p:spPr>
-        <p:txBody>
-          <a:bodyPr wrap="square" rtlCol="0">
-            <a:spAutoFit/>
-          </a:bodyPr>
-          <a:lstStyle/>
-          <a:p>
-            <a:pPr algn="ctr"/>
-            <a:r>
-              <a:rPr lang="fr-FR" sz="2400" dirty="0" smtClean="0">
-                <a:latin typeface="Lobster Two" panose="02000506000000020003" pitchFamily="50" charset="0"/>
-              </a:rPr>
-              <a:t>André</a:t>
-            </a:r>
-            <a:endParaRPr lang="fr-FR" sz="2400" dirty="0">
-              <a:latin typeface="Lobster Two" panose="02000506000000020003" pitchFamily="50" charset="0"/>
-            </a:endParaRPr>
-          </a:p>
-        </p:txBody>
-      </p:sp>
-      <p:sp>
-        <p:nvSpPr>
-          <p:cNvPr id="41" name="ZoneTexte 40"/>
-          <p:cNvSpPr txBox="1"/>
-          <p:nvPr/>
-        </p:nvSpPr>
-        <p:spPr>
-          <a:xfrm>
-            <a:off x="5323882" y="18348999"/>
-            <a:ext cx="1987401" cy="461665"/>
-          </a:xfrm>
-          <a:prstGeom prst="rect">
-            <a:avLst/>
-          </a:prstGeom>
-          <a:noFill/>
-        </p:spPr>
-        <p:txBody>
-          <a:bodyPr wrap="square" rtlCol="0">
-            <a:spAutoFit/>
-          </a:bodyPr>
-          <a:lstStyle/>
-          <a:p>
-            <a:pPr algn="ctr"/>
-            <a:r>
-              <a:rPr lang="fr-FR" sz="2400" dirty="0" smtClean="0">
-                <a:latin typeface="Lobster Two" panose="02000506000000020003" pitchFamily="50" charset="0"/>
-              </a:rPr>
-              <a:t>Paul</a:t>
-            </a:r>
-            <a:endParaRPr lang="fr-FR" sz="2400" dirty="0">
-              <a:latin typeface="Lobster Two" panose="02000506000000020003" pitchFamily="50" charset="0"/>
-            </a:endParaRPr>
-          </a:p>
-        </p:txBody>
-      </p:sp>
-      <p:sp>
-        <p:nvSpPr>
-          <p:cNvPr id="42" name="ZoneTexte 41"/>
-          <p:cNvSpPr txBox="1"/>
-          <p:nvPr/>
-        </p:nvSpPr>
-        <p:spPr>
-          <a:xfrm>
-            <a:off x="5304751" y="14711051"/>
-            <a:ext cx="1987401" cy="400110"/>
-          </a:xfrm>
-          <a:prstGeom prst="rect">
-            <a:avLst/>
-          </a:prstGeom>
-          <a:noFill/>
-        </p:spPr>
-        <p:txBody>
-          <a:bodyPr wrap="square" rtlCol="0">
-            <a:spAutoFit/>
-          </a:bodyPr>
-          <a:lstStyle/>
-          <a:p>
-            <a:pPr algn="ctr"/>
-            <a:r>
-              <a:rPr lang="fr-FR" sz="2000" dirty="0" smtClean="0">
-                <a:latin typeface="Lobster Two" panose="02000506000000020003" pitchFamily="50" charset="0"/>
-              </a:rPr>
-              <a:t>Michel, Martine</a:t>
-            </a:r>
-            <a:endParaRPr lang="fr-FR" sz="2000" dirty="0">
-              <a:latin typeface="Lobster Two" panose="02000506000000020003" pitchFamily="50" charset="0"/>
-            </a:endParaRPr>
-          </a:p>
-        </p:txBody>
-      </p:sp>
-      <p:sp>
-        <p:nvSpPr>
-          <p:cNvPr id="44" name="ZoneTexte 43"/>
-          <p:cNvSpPr txBox="1"/>
-          <p:nvPr/>
-        </p:nvSpPr>
-        <p:spPr>
-          <a:xfrm>
-            <a:off x="3203446" y="14718056"/>
-            <a:ext cx="1987401" cy="400110"/>
-          </a:xfrm>
-          <a:prstGeom prst="rect">
-            <a:avLst/>
-          </a:prstGeom>
-          <a:noFill/>
-        </p:spPr>
-        <p:txBody>
-          <a:bodyPr wrap="square" rtlCol="0">
-            <a:spAutoFit/>
-          </a:bodyPr>
-          <a:lstStyle/>
-          <a:p>
-            <a:pPr algn="ctr"/>
-            <a:r>
-              <a:rPr lang="fr-FR" sz="2000" dirty="0" smtClean="0">
-                <a:latin typeface="Lobster Two" panose="02000506000000020003" pitchFamily="50" charset="0"/>
-              </a:rPr>
-              <a:t>Pierre, Thomas</a:t>
-            </a:r>
-            <a:endParaRPr lang="fr-FR" sz="2000" dirty="0">
-              <a:latin typeface="Lobster Two" panose="02000506000000020003" pitchFamily="50" charset="0"/>
-            </a:endParaRPr>
-          </a:p>
-        </p:txBody>
-      </p:sp>
-      <p:sp>
-        <p:nvSpPr>
-          <p:cNvPr id="45" name="ZoneTexte 44"/>
-          <p:cNvSpPr txBox="1"/>
-          <p:nvPr/>
-        </p:nvSpPr>
-        <p:spPr>
-          <a:xfrm>
-            <a:off x="3552295" y="15984172"/>
-            <a:ext cx="1987401" cy="400110"/>
-          </a:xfrm>
-          <a:prstGeom prst="rect">
-            <a:avLst/>
-          </a:prstGeom>
-          <a:noFill/>
-        </p:spPr>
-        <p:txBody>
-          <a:bodyPr wrap="square" rtlCol="0">
-            <a:spAutoFit/>
-          </a:bodyPr>
-          <a:lstStyle/>
-          <a:p>
-            <a:pPr algn="ctr"/>
-            <a:r>
-              <a:rPr lang="fr-FR" sz="2000" dirty="0" smtClean="0">
-                <a:latin typeface="Lobster Two" panose="02000506000000020003" pitchFamily="50" charset="0"/>
-              </a:rPr>
-              <a:t>3 heures</a:t>
-            </a:r>
-            <a:endParaRPr lang="fr-FR" sz="2000" dirty="0">
-              <a:latin typeface="Lobster Two" panose="02000506000000020003" pitchFamily="50" charset="0"/>
-            </a:endParaRPr>
-          </a:p>
-        </p:txBody>
-      </p:sp>
-      <p:sp>
-        <p:nvSpPr>
-          <p:cNvPr id="46" name="ZoneTexte 45"/>
-          <p:cNvSpPr txBox="1"/>
-          <p:nvPr/>
-        </p:nvSpPr>
-        <p:spPr>
-          <a:xfrm>
-            <a:off x="5720213" y="16012674"/>
-            <a:ext cx="1987401" cy="400110"/>
-          </a:xfrm>
-          <a:prstGeom prst="rect">
-            <a:avLst/>
-          </a:prstGeom>
-          <a:noFill/>
-        </p:spPr>
-        <p:txBody>
-          <a:bodyPr wrap="square" rtlCol="0">
-            <a:spAutoFit/>
-          </a:bodyPr>
-          <a:lstStyle/>
-          <a:p>
-            <a:pPr algn="ctr"/>
-            <a:r>
-              <a:rPr lang="fr-FR" sz="2000" dirty="0" smtClean="0">
-                <a:latin typeface="Lobster Two" panose="02000506000000020003" pitchFamily="50" charset="0"/>
-              </a:rPr>
-              <a:t>2 heures</a:t>
-            </a:r>
-            <a:endParaRPr lang="fr-FR" sz="2000" dirty="0">
-              <a:latin typeface="Lobster Two" panose="02000506000000020003" pitchFamily="50" charset="0"/>
-            </a:endParaRPr>
-          </a:p>
-        </p:txBody>
-      </p:sp>
-      <p:sp>
-        <p:nvSpPr>
-          <p:cNvPr id="47" name="ZoneTexte 46"/>
-          <p:cNvSpPr txBox="1"/>
-          <p:nvPr/>
-        </p:nvSpPr>
-        <p:spPr>
-          <a:xfrm>
-            <a:off x="5720212" y="19427700"/>
-            <a:ext cx="1987401" cy="400110"/>
-          </a:xfrm>
-          <a:prstGeom prst="rect">
-            <a:avLst/>
-          </a:prstGeom>
-          <a:noFill/>
-        </p:spPr>
-        <p:txBody>
-          <a:bodyPr wrap="square" rtlCol="0">
-            <a:spAutoFit/>
-          </a:bodyPr>
-          <a:lstStyle/>
-          <a:p>
-            <a:pPr algn="ctr"/>
-            <a:r>
-              <a:rPr lang="fr-FR" sz="2000" dirty="0" smtClean="0">
-                <a:latin typeface="Lobster Two" panose="02000506000000020003" pitchFamily="50" charset="0"/>
-              </a:rPr>
-              <a:t>2 heures</a:t>
-            </a:r>
-            <a:endParaRPr lang="fr-FR" sz="2000" dirty="0">
-              <a:latin typeface="Lobster Two" panose="02000506000000020003" pitchFamily="50" charset="0"/>
-            </a:endParaRPr>
-          </a:p>
-        </p:txBody>
-      </p:sp>
-      <p:sp>
-        <p:nvSpPr>
-          <p:cNvPr id="48" name="ZoneTexte 47"/>
-          <p:cNvSpPr txBox="1"/>
-          <p:nvPr/>
-        </p:nvSpPr>
-        <p:spPr>
-          <a:xfrm>
-            <a:off x="3552295" y="20836341"/>
-            <a:ext cx="1987401" cy="400110"/>
-          </a:xfrm>
-          <a:prstGeom prst="rect">
-            <a:avLst/>
-          </a:prstGeom>
-          <a:noFill/>
-        </p:spPr>
-        <p:txBody>
-          <a:bodyPr wrap="square" rtlCol="0">
-            <a:spAutoFit/>
-          </a:bodyPr>
-          <a:lstStyle/>
-          <a:p>
-            <a:pPr algn="ctr"/>
-            <a:r>
-              <a:rPr lang="fr-FR" sz="2000" dirty="0" smtClean="0">
-                <a:latin typeface="Lobster Two" panose="02000506000000020003" pitchFamily="50" charset="0"/>
-              </a:rPr>
-              <a:t>4 heures</a:t>
-            </a:r>
-            <a:endParaRPr lang="fr-FR" sz="2000" dirty="0">
-              <a:latin typeface="Lobster Two" panose="02000506000000020003" pitchFamily="50" charset="0"/>
-            </a:endParaRPr>
-          </a:p>
-        </p:txBody>
-      </p:sp>
-      <p:sp>
-        <p:nvSpPr>
-          <p:cNvPr id="49" name="ZoneTexte 48"/>
-          <p:cNvSpPr txBox="1"/>
-          <p:nvPr/>
-        </p:nvSpPr>
-        <p:spPr>
-          <a:xfrm>
-            <a:off x="3145211" y="19304634"/>
-            <a:ext cx="1987401" cy="400110"/>
-          </a:xfrm>
-          <a:prstGeom prst="rect">
-            <a:avLst/>
-          </a:prstGeom>
-          <a:noFill/>
-        </p:spPr>
-        <p:txBody>
-          <a:bodyPr wrap="square" rtlCol="0">
-            <a:spAutoFit/>
-          </a:bodyPr>
-          <a:lstStyle/>
-          <a:p>
-            <a:pPr algn="ctr"/>
-            <a:r>
-              <a:rPr lang="fr-FR" sz="2000" dirty="0" smtClean="0">
-                <a:latin typeface="Lobster Two" panose="02000506000000020003" pitchFamily="50" charset="0"/>
-              </a:rPr>
-              <a:t>Martine, Thomas</a:t>
-            </a:r>
-            <a:endParaRPr lang="fr-FR" sz="2000" dirty="0">
-              <a:latin typeface="Lobster Two" panose="02000506000000020003" pitchFamily="50" charset="0"/>
-            </a:endParaRPr>
-          </a:p>
-        </p:txBody>
-      </p:sp>
-      <p:sp>
-        <p:nvSpPr>
-          <p:cNvPr id="50" name="ZoneTexte 49"/>
-          <p:cNvSpPr txBox="1"/>
-          <p:nvPr/>
-        </p:nvSpPr>
-        <p:spPr>
-          <a:xfrm>
-            <a:off x="10989910" y="17056338"/>
-            <a:ext cx="9739568" cy="1754326"/>
-          </a:xfrm>
-          <a:prstGeom prst="rect">
-            <a:avLst/>
-          </a:prstGeom>
-          <a:noFill/>
-        </p:spPr>
-        <p:txBody>
-          <a:bodyPr wrap="square" rtlCol="0">
-            <a:spAutoFit/>
-          </a:bodyPr>
-          <a:lstStyle/>
-          <a:p>
-            <a:r>
-              <a:rPr lang="fr-FR" sz="5400" dirty="0" smtClean="0">
-                <a:latin typeface="Lobster Two" panose="02000506000000020003" pitchFamily="50" charset="0"/>
-              </a:rPr>
-              <a:t>Possibilité de créer un groupe et de fusionner plusieurs tâches</a:t>
-            </a:r>
-            <a:endParaRPr lang="fr-FR" sz="5400" dirty="0">
-              <a:latin typeface="Lobster Two" panose="02000506000000020003" pitchFamily="50" charset="0"/>
-            </a:endParaRPr>
-          </a:p>
-        </p:txBody>
-      </p:sp>
-      <p:sp>
-        <p:nvSpPr>
-          <p:cNvPr id="51" name="Bulle ronde 50"/>
-          <p:cNvSpPr/>
-          <p:nvPr/>
-        </p:nvSpPr>
-        <p:spPr>
-          <a:xfrm>
-            <a:off x="9588564" y="15984172"/>
-            <a:ext cx="11290235" cy="4045082"/>
-          </a:xfrm>
-          <a:prstGeom prst="wedgeEllipseCallout">
-            <a:avLst>
-              <a:gd name="adj1" fmla="val -54506"/>
-              <a:gd name="adj2" fmla="val -50334"/>
-            </a:avLst>
-          </a:prstGeom>
-          <a:noFill/>
-          <a:ln>
-            <a:solidFill>
-              <a:schemeClr val="tx1"/>
-            </a:solidFill>
-          </a:ln>
-        </p:spPr>
-        <p:style>
-          <a:lnRef idx="2">
-            <a:schemeClr val="accent1">
-              <a:shade val="50000"/>
-            </a:schemeClr>
-          </a:lnRef>
-          <a:fillRef idx="1">
-            <a:schemeClr val="accent1"/>
-          </a:fillRef>
-          <a:effectRef idx="0">
-            <a:schemeClr val="accent1"/>
-          </a:effectRef>
-          <a:fontRef idx="minor">
-            <a:schemeClr val="lt1"/>
-          </a:fontRef>
-        </p:style>
-        <p:txBody>
-          <a:bodyPr rtlCol="0" anchor="ctr"/>
-          <a:lstStyle/>
-          <a:p>
-            <a:pPr algn="ctr"/>
-            <a:endParaRPr lang="fr-FR"/>
-          </a:p>
-        </p:txBody>
-      </p:sp>
-      <p:sp>
-        <p:nvSpPr>
-          <p:cNvPr id="52" name="Bulle ronde 51"/>
-          <p:cNvSpPr/>
-          <p:nvPr/>
-        </p:nvSpPr>
-        <p:spPr>
-          <a:xfrm>
-            <a:off x="1573269" y="6975540"/>
-            <a:ext cx="10079163" cy="3387209"/>
-          </a:xfrm>
-          <a:prstGeom prst="wedgeEllipseCallout">
-            <a:avLst>
-              <a:gd name="adj1" fmla="val 75505"/>
-              <a:gd name="adj2" fmla="val 35538"/>
-            </a:avLst>
-          </a:prstGeom>
-          <a:noFill/>
-          <a:ln>
-            <a:solidFill>
-              <a:schemeClr val="tx1"/>
-            </a:solidFill>
-          </a:ln>
-        </p:spPr>
-        <p:style>
-          <a:lnRef idx="2">
-            <a:schemeClr val="accent1">
-              <a:shade val="50000"/>
-            </a:schemeClr>
-          </a:lnRef>
-          <a:fillRef idx="1">
-            <a:schemeClr val="accent1"/>
-          </a:fillRef>
-          <a:effectRef idx="0">
-            <a:schemeClr val="accent1"/>
-          </a:effectRef>
-          <a:fontRef idx="minor">
-            <a:schemeClr val="lt1"/>
-          </a:fontRef>
-        </p:style>
-        <p:txBody>
-          <a:bodyPr rtlCol="0" anchor="ctr"/>
-          <a:lstStyle/>
-          <a:p>
-            <a:pPr algn="ctr"/>
-            <a:endParaRPr lang="fr-FR"/>
-          </a:p>
-        </p:txBody>
-      </p:sp>
       <p:pic>
         <p:nvPicPr>
-          <p:cNvPr id="57" name="Image 56"/>
+          <p:cNvPr id="16" name="Image 15"/>
           <p:cNvPicPr>
             <a:picLocks noChangeAspect="1"/>
           </p:cNvPicPr>
@@ -4214,8 +4428,8 @@
         </p:blipFill>
         <p:spPr>
           <a:xfrm>
-            <a:off x="4850113" y="25944230"/>
-            <a:ext cx="5715000" cy="3352800"/>
+            <a:off x="16531010" y="5758799"/>
+            <a:ext cx="2896004" cy="2600688"/>
           </a:xfrm>
           <a:prstGeom prst="rect">
             <a:avLst/>
@@ -4224,7 +4438,7 @@
       </p:pic>
       <p:pic>
         <p:nvPicPr>
-          <p:cNvPr id="58" name="Image 57"/>
+          <p:cNvPr id="17" name="Image 16"/>
           <p:cNvPicPr>
             <a:picLocks noChangeAspect="1"/>
           </p:cNvPicPr>
@@ -4244,8 +4458,8 @@
         </p:blipFill>
         <p:spPr>
           <a:xfrm>
-            <a:off x="11603837" y="26104191"/>
-            <a:ext cx="4583054" cy="3198589"/>
+            <a:off x="14377801" y="8730212"/>
+            <a:ext cx="2715004" cy="1838582"/>
           </a:xfrm>
           <a:prstGeom prst="rect">
             <a:avLst/>
@@ -4254,14 +4468,14 @@
       </p:pic>
       <p:pic>
         <p:nvPicPr>
-          <p:cNvPr id="59" name="Image 58"/>
+          <p:cNvPr id="18" name="Image 17"/>
           <p:cNvPicPr>
             <a:picLocks noChangeAspect="1"/>
           </p:cNvPicPr>
           <p:nvPr/>
         </p:nvPicPr>
         <p:blipFill>
-          <a:blip r:embed="rId11" cstate="print">
+          <a:blip r:embed="rId11">
             <a:extLst>
               <a:ext uri="{28A0092B-C50C-407E-A947-70E740481C1C}">
                 <a14:useLocalDpi xmlns:a14="http://schemas.microsoft.com/office/drawing/2010/main" val="0"/>
@@ -4274,104 +4488,17 @@
         </p:blipFill>
         <p:spPr>
           <a:xfrm>
-            <a:off x="968866" y="25990302"/>
-            <a:ext cx="3260657" cy="3260657"/>
+            <a:off x="17617713" y="8863083"/>
+            <a:ext cx="3077004" cy="2734057"/>
           </a:xfrm>
           <a:prstGeom prst="rect">
             <a:avLst/>
           </a:prstGeom>
         </p:spPr>
       </p:pic>
-      <p:sp>
-        <p:nvSpPr>
-          <p:cNvPr id="60" name="ZoneTexte 59"/>
-          <p:cNvSpPr txBox="1"/>
-          <p:nvPr/>
-        </p:nvSpPr>
-        <p:spPr>
-          <a:xfrm>
-            <a:off x="10580720" y="21236451"/>
-            <a:ext cx="4652961" cy="843436"/>
-          </a:xfrm>
-          <a:prstGeom prst="rect">
-            <a:avLst/>
-          </a:prstGeom>
-          <a:noFill/>
-        </p:spPr>
-        <p:txBody>
-          <a:bodyPr wrap="square" rtlCol="0">
-            <a:spAutoFit/>
-          </a:bodyPr>
-          <a:lstStyle/>
-          <a:p>
-            <a:r>
-              <a:rPr lang="fr-FR" dirty="0" smtClean="0">
-                <a:latin typeface="Lobster Two" panose="02000506000000020003" pitchFamily="50" charset="0"/>
-              </a:rPr>
-              <a:t>Projet réalisé par </a:t>
-            </a:r>
-            <a:endParaRPr lang="fr-FR" dirty="0">
-              <a:latin typeface="Lobster Two" panose="02000506000000020003" pitchFamily="50" charset="0"/>
-            </a:endParaRPr>
-          </a:p>
-        </p:txBody>
-      </p:sp>
-      <p:sp>
-        <p:nvSpPr>
-          <p:cNvPr id="61" name="ZoneTexte 60"/>
-          <p:cNvSpPr txBox="1"/>
-          <p:nvPr/>
-        </p:nvSpPr>
-        <p:spPr>
-          <a:xfrm>
-            <a:off x="10989910" y="22114263"/>
-            <a:ext cx="5964590" cy="2345642"/>
-          </a:xfrm>
-          <a:prstGeom prst="rect">
-            <a:avLst/>
-          </a:prstGeom>
-          <a:noFill/>
-        </p:spPr>
-        <p:txBody>
-          <a:bodyPr wrap="square" rtlCol="0">
-            <a:spAutoFit/>
-          </a:bodyPr>
-          <a:lstStyle/>
-          <a:p>
-            <a:pPr algn="ctr"/>
-            <a:r>
-              <a:rPr lang="fr-FR" dirty="0" smtClean="0">
-                <a:latin typeface="Lobster Two" panose="02000506000000020003" pitchFamily="50" charset="0"/>
-              </a:rPr>
-              <a:t>Alexis Barny</a:t>
-            </a:r>
-          </a:p>
-          <a:p>
-            <a:pPr algn="ctr"/>
-            <a:r>
-              <a:rPr lang="fr-FR" dirty="0" smtClean="0">
-                <a:latin typeface="Lobster Two" panose="02000506000000020003" pitchFamily="50" charset="0"/>
-              </a:rPr>
-              <a:t>Pierre Eveno</a:t>
-            </a:r>
-          </a:p>
-          <a:p>
-            <a:pPr algn="ctr"/>
-            <a:r>
-              <a:rPr lang="fr-FR" dirty="0" smtClean="0">
-                <a:latin typeface="Lobster Two" panose="02000506000000020003" pitchFamily="50" charset="0"/>
-              </a:rPr>
-              <a:t>Hadrien Tran</a:t>
-            </a:r>
-            <a:endParaRPr lang="fr-FR" dirty="0">
-              <a:latin typeface="Lobster Two" panose="02000506000000020003" pitchFamily="50" charset="0"/>
-            </a:endParaRPr>
-          </a:p>
-        </p:txBody>
-      </p:sp>
       <p:pic>
         <p:nvPicPr>
-          <p:cNvPr id="63" name="Image 62"/>
+          <p:cNvPr id="19" name="Image 18"/>
           <p:cNvPicPr>
             <a:picLocks noChangeAspect="1"/>
           </p:cNvPicPr>
@@ -4391,8 +4518,38 @@
         </p:blipFill>
         <p:spPr>
           <a:xfrm>
-            <a:off x="16186891" y="25547981"/>
-            <a:ext cx="5049364" cy="4725687"/>
+            <a:off x="14934222" y="10880816"/>
+            <a:ext cx="2734057" cy="2619741"/>
+          </a:xfrm>
+          <a:prstGeom prst="rect">
+            <a:avLst/>
+          </a:prstGeom>
+        </p:spPr>
+      </p:pic>
+      <p:pic>
+        <p:nvPicPr>
+          <p:cNvPr id="20" name="Image 19"/>
+          <p:cNvPicPr>
+            <a:picLocks noChangeAspect="1"/>
+          </p:cNvPicPr>
+          <p:nvPr/>
+        </p:nvPicPr>
+        <p:blipFill>
+          <a:blip r:embed="rId13">
+            <a:extLst>
+              <a:ext uri="{28A0092B-C50C-407E-A947-70E740481C1C}">
+                <a14:useLocalDpi xmlns:a14="http://schemas.microsoft.com/office/drawing/2010/main" val="0"/>
+              </a:ext>
+            </a:extLst>
+          </a:blip>
+          <a:stretch>
+            <a:fillRect/>
+          </a:stretch>
+        </p:blipFill>
+        <p:spPr>
+          <a:xfrm>
+            <a:off x="17926162" y="12277134"/>
+            <a:ext cx="2715004" cy="2619741"/>
           </a:xfrm>
           <a:prstGeom prst="rect">
             <a:avLst/>

--- a/poster.pptx
+++ b/poster.pptx
@@ -243,7 +243,7 @@
           <a:p>
             <a:fld id="{F9CAC121-9074-40FE-B2BA-F7D88A15528A}" type="datetimeFigureOut">
               <a:rPr lang="en-GB" smtClean="0"/>
-              <a:t>03/02/2015</a:t>
+              <a:t>05/02/2015</a:t>
             </a:fld>
             <a:endParaRPr lang="en-GB"/>
           </a:p>
@@ -413,7 +413,7 @@
           <a:p>
             <a:fld id="{F9CAC121-9074-40FE-B2BA-F7D88A15528A}" type="datetimeFigureOut">
               <a:rPr lang="en-GB" smtClean="0"/>
-              <a:t>03/02/2015</a:t>
+              <a:t>05/02/2015</a:t>
             </a:fld>
             <a:endParaRPr lang="en-GB"/>
           </a:p>
@@ -593,7 +593,7 @@
           <a:p>
             <a:fld id="{F9CAC121-9074-40FE-B2BA-F7D88A15528A}" type="datetimeFigureOut">
               <a:rPr lang="en-GB" smtClean="0"/>
-              <a:t>03/02/2015</a:t>
+              <a:t>05/02/2015</a:t>
             </a:fld>
             <a:endParaRPr lang="en-GB"/>
           </a:p>
@@ -763,7 +763,7 @@
           <a:p>
             <a:fld id="{F9CAC121-9074-40FE-B2BA-F7D88A15528A}" type="datetimeFigureOut">
               <a:rPr lang="en-GB" smtClean="0"/>
-              <a:t>03/02/2015</a:t>
+              <a:t>05/02/2015</a:t>
             </a:fld>
             <a:endParaRPr lang="en-GB"/>
           </a:p>
@@ -1007,7 +1007,7 @@
           <a:p>
             <a:fld id="{F9CAC121-9074-40FE-B2BA-F7D88A15528A}" type="datetimeFigureOut">
               <a:rPr lang="en-GB" smtClean="0"/>
-              <a:t>03/02/2015</a:t>
+              <a:t>05/02/2015</a:t>
             </a:fld>
             <a:endParaRPr lang="en-GB"/>
           </a:p>
@@ -1239,7 +1239,7 @@
           <a:p>
             <a:fld id="{F9CAC121-9074-40FE-B2BA-F7D88A15528A}" type="datetimeFigureOut">
               <a:rPr lang="en-GB" smtClean="0"/>
-              <a:t>03/02/2015</a:t>
+              <a:t>05/02/2015</a:t>
             </a:fld>
             <a:endParaRPr lang="en-GB"/>
           </a:p>
@@ -1606,7 +1606,7 @@
           <a:p>
             <a:fld id="{F9CAC121-9074-40FE-B2BA-F7D88A15528A}" type="datetimeFigureOut">
               <a:rPr lang="en-GB" smtClean="0"/>
-              <a:t>03/02/2015</a:t>
+              <a:t>05/02/2015</a:t>
             </a:fld>
             <a:endParaRPr lang="en-GB"/>
           </a:p>
@@ -1724,7 +1724,7 @@
           <a:p>
             <a:fld id="{F9CAC121-9074-40FE-B2BA-F7D88A15528A}" type="datetimeFigureOut">
               <a:rPr lang="en-GB" smtClean="0"/>
-              <a:t>03/02/2015</a:t>
+              <a:t>05/02/2015</a:t>
             </a:fld>
             <a:endParaRPr lang="en-GB"/>
           </a:p>
@@ -1819,7 +1819,7 @@
           <a:p>
             <a:fld id="{F9CAC121-9074-40FE-B2BA-F7D88A15528A}" type="datetimeFigureOut">
               <a:rPr lang="en-GB" smtClean="0"/>
-              <a:t>03/02/2015</a:t>
+              <a:t>05/02/2015</a:t>
             </a:fld>
             <a:endParaRPr lang="en-GB"/>
           </a:p>
@@ -2096,7 +2096,7 @@
           <a:p>
             <a:fld id="{F9CAC121-9074-40FE-B2BA-F7D88A15528A}" type="datetimeFigureOut">
               <a:rPr lang="en-GB" smtClean="0"/>
-              <a:t>03/02/2015</a:t>
+              <a:t>05/02/2015</a:t>
             </a:fld>
             <a:endParaRPr lang="en-GB"/>
           </a:p>
@@ -2353,7 +2353,7 @@
           <a:p>
             <a:fld id="{F9CAC121-9074-40FE-B2BA-F7D88A15528A}" type="datetimeFigureOut">
               <a:rPr lang="en-GB" smtClean="0"/>
-              <a:t>03/02/2015</a:t>
+              <a:t>05/02/2015</a:t>
             </a:fld>
             <a:endParaRPr lang="en-GB"/>
           </a:p>
@@ -2566,7 +2566,7 @@
           <a:p>
             <a:fld id="{F9CAC121-9074-40FE-B2BA-F7D88A15528A}" type="datetimeFigureOut">
               <a:rPr lang="en-GB" smtClean="0"/>
-              <a:t>03/02/2015</a:t>
+              <a:t>05/02/2015</a:t>
             </a:fld>
             <a:endParaRPr lang="en-GB"/>
           </a:p>
@@ -2967,13 +2967,13 @@
                 <a:lumOff val="95000"/>
               </a:schemeClr>
             </a:gs>
-            <a:gs pos="56000">
+            <a:gs pos="15000">
               <a:schemeClr val="accent1">
                 <a:lumMod val="45000"/>
                 <a:lumOff val="55000"/>
               </a:schemeClr>
             </a:gs>
-            <a:gs pos="83000">
+            <a:gs pos="74000">
               <a:schemeClr val="accent1">
                 <a:lumMod val="45000"/>
                 <a:lumOff val="55000"/>
